--- a/Programming 4/02.1 File Structure/02.1 File Structure.pptx
+++ b/Programming 4/02.1 File Structure/02.1 File Structure.pptx
@@ -5,7 +5,7 @@
     <p:sldMasterId id="2147483648" r:id="rId1"/>
   </p:sldMasterIdLst>
   <p:notesMasterIdLst>
-    <p:notesMasterId r:id="rId13"/>
+    <p:notesMasterId r:id="rId22"/>
   </p:notesMasterIdLst>
   <p:sldIdLst>
     <p:sldId id="258" r:id="rId2"/>
@@ -19,6 +19,15 @@
     <p:sldId id="265" r:id="rId10"/>
     <p:sldId id="266" r:id="rId11"/>
     <p:sldId id="267" r:id="rId12"/>
+    <p:sldId id="268" r:id="rId13"/>
+    <p:sldId id="269" r:id="rId14"/>
+    <p:sldId id="270" r:id="rId15"/>
+    <p:sldId id="271" r:id="rId16"/>
+    <p:sldId id="272" r:id="rId17"/>
+    <p:sldId id="273" r:id="rId18"/>
+    <p:sldId id="274" r:id="rId19"/>
+    <p:sldId id="275" r:id="rId20"/>
+    <p:sldId id="276" r:id="rId21"/>
   </p:sldIdLst>
   <p:sldSz cx="9144000" cy="6858000" type="screen4x3"/>
   <p:notesSz cx="6858000" cy="9144000"/>
@@ -218,7 +227,7 @@
           <a:p>
             <a:fld id="{14360827-D10E-7243-BAB1-FD33688D9066}" type="datetimeFigureOut">
               <a:rPr lang="en-US" smtClean="0"/>
-              <a:t>7/7/19</a:t>
+              <a:t>7/26/19</a:t>
             </a:fld>
             <a:endParaRPr lang="en-US"/>
           </a:p>
@@ -667,7 +676,7 @@
           <a:p>
             <a:fld id="{F8166F1F-CE9B-4651-A6AA-CD717754106B}" type="datetimeFigureOut">
               <a:rPr lang="en-US" smtClean="0"/>
-              <a:t>7/7/19</a:t>
+              <a:t>7/26/19</a:t>
             </a:fld>
             <a:endParaRPr lang="en-US"/>
           </a:p>
@@ -832,7 +841,7 @@
           <a:p>
             <a:fld id="{A76116CE-C4A3-4A05-B2D7-7C2E9A889C0F}" type="datetimeFigureOut">
               <a:rPr lang="en-US" smtClean="0"/>
-              <a:t>7/7/19</a:t>
+              <a:t>7/26/19</a:t>
             </a:fld>
             <a:endParaRPr lang="en-US"/>
           </a:p>
@@ -1007,7 +1016,7 @@
           <a:p>
             <a:fld id="{A76116CE-C4A3-4A05-B2D7-7C2E9A889C0F}" type="datetimeFigureOut">
               <a:rPr lang="en-US" smtClean="0"/>
-              <a:t>7/7/19</a:t>
+              <a:t>7/26/19</a:t>
             </a:fld>
             <a:endParaRPr lang="en-US"/>
           </a:p>
@@ -1174,7 +1183,7 @@
           <a:p>
             <a:fld id="{A76116CE-C4A3-4A05-B2D7-7C2E9A889C0F}" type="datetimeFigureOut">
               <a:rPr lang="en-US" smtClean="0"/>
-              <a:t>7/7/19</a:t>
+              <a:t>7/26/19</a:t>
             </a:fld>
             <a:endParaRPr lang="en-US"/>
           </a:p>
@@ -1415,7 +1424,7 @@
           <a:p>
             <a:fld id="{A76116CE-C4A3-4A05-B2D7-7C2E9A889C0F}" type="datetimeFigureOut">
               <a:rPr lang="en-US" smtClean="0"/>
-              <a:t>7/7/19</a:t>
+              <a:t>7/26/19</a:t>
             </a:fld>
             <a:endParaRPr lang="en-US"/>
           </a:p>
@@ -1698,7 +1707,7 @@
           <a:p>
             <a:fld id="{A76116CE-C4A3-4A05-B2D7-7C2E9A889C0F}" type="datetimeFigureOut">
               <a:rPr lang="en-US" smtClean="0"/>
-              <a:t>7/7/19</a:t>
+              <a:t>7/26/19</a:t>
             </a:fld>
             <a:endParaRPr lang="en-US"/>
           </a:p>
@@ -2115,7 +2124,7 @@
           <a:p>
             <a:fld id="{A76116CE-C4A3-4A05-B2D7-7C2E9A889C0F}" type="datetimeFigureOut">
               <a:rPr lang="en-US" smtClean="0"/>
-              <a:t>7/7/19</a:t>
+              <a:t>7/26/19</a:t>
             </a:fld>
             <a:endParaRPr lang="en-US"/>
           </a:p>
@@ -2228,7 +2237,7 @@
           <a:p>
             <a:fld id="{A76116CE-C4A3-4A05-B2D7-7C2E9A889C0F}" type="datetimeFigureOut">
               <a:rPr lang="en-US" smtClean="0"/>
-              <a:t>7/7/19</a:t>
+              <a:t>7/26/19</a:t>
             </a:fld>
             <a:endParaRPr lang="en-US"/>
           </a:p>
@@ -2318,7 +2327,7 @@
           <a:p>
             <a:fld id="{A76116CE-C4A3-4A05-B2D7-7C2E9A889C0F}" type="datetimeFigureOut">
               <a:rPr lang="en-US" smtClean="0"/>
-              <a:t>7/7/19</a:t>
+              <a:t>7/26/19</a:t>
             </a:fld>
             <a:endParaRPr lang="en-US"/>
           </a:p>
@@ -2590,7 +2599,7 @@
           <a:p>
             <a:fld id="{A76116CE-C4A3-4A05-B2D7-7C2E9A889C0F}" type="datetimeFigureOut">
               <a:rPr lang="en-US" smtClean="0"/>
-              <a:t>7/7/19</a:t>
+              <a:t>7/26/19</a:t>
             </a:fld>
             <a:endParaRPr lang="en-US"/>
           </a:p>
@@ -2838,7 +2847,7 @@
           <a:p>
             <a:fld id="{A76116CE-C4A3-4A05-B2D7-7C2E9A889C0F}" type="datetimeFigureOut">
               <a:rPr lang="en-US" smtClean="0"/>
-              <a:t>7/7/19</a:t>
+              <a:t>7/26/19</a:t>
             </a:fld>
             <a:endParaRPr lang="en-US"/>
           </a:p>
@@ -3046,7 +3055,7 @@
           <a:p>
             <a:fld id="{F8166F1F-CE9B-4651-A6AA-CD717754106B}" type="datetimeFigureOut">
               <a:rPr lang="en-US" smtClean="0"/>
-              <a:t>7/7/19</a:t>
+              <a:t>7/26/19</a:t>
             </a:fld>
             <a:endParaRPr lang="en-US"/>
           </a:p>
@@ -3466,7 +3475,6 @@
               <a:rPr lang="en-US" sz="4000" b="1" dirty="0" smtClean="0"/>
               <a:t>02.1 File Structure</a:t>
             </a:r>
-            <a:endParaRPr lang="en-US" sz="4000" b="1" dirty="0" smtClean="0"/>
           </a:p>
           <a:p>
             <a:pPr algn="ctr"/>
@@ -3743,6 +3751,730 @@
 </p:sld>
 </file>
 
+<file path=ppt/slides/slide12.xml><?xml version="1.0" encoding="utf-8"?>
+<p:sld xmlns:a="http://schemas.openxmlformats.org/drawingml/2006/main" xmlns:r="http://schemas.openxmlformats.org/officeDocument/2006/relationships" xmlns:p="http://schemas.openxmlformats.org/presentationml/2006/main">
+  <p:cSld>
+    <p:bg>
+      <p:bgPr>
+        <a:solidFill>
+          <a:schemeClr val="accent5">
+            <a:lumMod val="60000"/>
+            <a:lumOff val="40000"/>
+          </a:schemeClr>
+        </a:solidFill>
+        <a:effectLst/>
+      </p:bgPr>
+    </p:bg>
+    <p:spTree>
+      <p:nvGrpSpPr>
+        <p:cNvPr id="1" name=""/>
+        <p:cNvGrpSpPr/>
+        <p:nvPr/>
+      </p:nvGrpSpPr>
+      <p:grpSpPr>
+        <a:xfrm>
+          <a:off x="0" y="0"/>
+          <a:ext cx="0" cy="0"/>
+          <a:chOff x="0" y="0"/>
+          <a:chExt cx="0" cy="0"/>
+        </a:xfrm>
+      </p:grpSpPr>
+      <p:sp>
+        <p:nvSpPr>
+          <p:cNvPr id="5" name="Rectangle 4"/>
+          <p:cNvSpPr/>
+          <p:nvPr/>
+        </p:nvSpPr>
+        <p:spPr>
+          <a:xfrm>
+            <a:off x="6096" y="6096"/>
+            <a:ext cx="9144000" cy="1223412"/>
+          </a:xfrm>
+          <a:prstGeom prst="rect">
+            <a:avLst/>
+          </a:prstGeom>
+          <a:noFill/>
+        </p:spPr>
+        <p:txBody>
+          <a:bodyPr wrap="square" lIns="68580" tIns="34290" rIns="68580" bIns="34290">
+            <a:spAutoFit/>
+          </a:bodyPr>
+          <a:lstStyle/>
+          <a:p>
+            <a:pPr algn="ctr"/>
+            <a:endParaRPr lang="en-US" sz="4000" b="1" dirty="0" smtClean="0"/>
+          </a:p>
+          <a:p>
+            <a:pPr lvl="1"/>
+            <a:r>
+              <a:rPr lang="en-AU" sz="3500" b="1" dirty="0" smtClean="0"/>
+              <a:t>Create class instances</a:t>
+            </a:r>
+            <a:endParaRPr lang="en-US" sz="2500" dirty="0" smtClean="0"/>
+          </a:p>
+        </p:txBody>
+      </p:sp>
+      <p:pic>
+        <p:nvPicPr>
+          <p:cNvPr id="2" name="Picture 1"/>
+          <p:cNvPicPr>
+            <a:picLocks noChangeAspect="1"/>
+          </p:cNvPicPr>
+          <p:nvPr/>
+        </p:nvPicPr>
+        <p:blipFill>
+          <a:blip r:embed="rId2">
+            <a:extLst>
+              <a:ext uri="{28A0092B-C50C-407E-A947-70E740481C1C}">
+                <a14:useLocalDpi xmlns:a14="http://schemas.microsoft.com/office/drawing/2010/main" val="0"/>
+              </a:ext>
+            </a:extLst>
+          </a:blip>
+          <a:stretch>
+            <a:fillRect/>
+          </a:stretch>
+        </p:blipFill>
+        <p:spPr>
+          <a:xfrm>
+            <a:off x="844296" y="4114800"/>
+            <a:ext cx="7467600" cy="997720"/>
+          </a:xfrm>
+          <a:prstGeom prst="rect">
+            <a:avLst/>
+          </a:prstGeom>
+        </p:spPr>
+      </p:pic>
+    </p:spTree>
+    <p:extLst>
+      <p:ext uri="{BB962C8B-B14F-4D97-AF65-F5344CB8AC3E}">
+        <p14:creationId xmlns:p14="http://schemas.microsoft.com/office/powerpoint/2010/main" val="1180774003"/>
+      </p:ext>
+    </p:extLst>
+  </p:cSld>
+  <p:clrMapOvr>
+    <a:masterClrMapping/>
+  </p:clrMapOvr>
+  <p:timing>
+    <p:tnLst>
+      <p:par>
+        <p:cTn id="1" dur="indefinite" restart="never" nodeType="tmRoot"/>
+      </p:par>
+    </p:tnLst>
+  </p:timing>
+</p:sld>
+</file>
+
+<file path=ppt/slides/slide13.xml><?xml version="1.0" encoding="utf-8"?>
+<p:sld xmlns:a="http://schemas.openxmlformats.org/drawingml/2006/main" xmlns:r="http://schemas.openxmlformats.org/officeDocument/2006/relationships" xmlns:p="http://schemas.openxmlformats.org/presentationml/2006/main">
+  <p:cSld>
+    <p:bg>
+      <p:bgPr>
+        <a:solidFill>
+          <a:schemeClr val="accent5">
+            <a:lumMod val="60000"/>
+            <a:lumOff val="40000"/>
+          </a:schemeClr>
+        </a:solidFill>
+        <a:effectLst/>
+      </p:bgPr>
+    </p:bg>
+    <p:spTree>
+      <p:nvGrpSpPr>
+        <p:cNvPr id="1" name=""/>
+        <p:cNvGrpSpPr/>
+        <p:nvPr/>
+      </p:nvGrpSpPr>
+      <p:grpSpPr>
+        <a:xfrm>
+          <a:off x="0" y="0"/>
+          <a:ext cx="0" cy="0"/>
+          <a:chOff x="0" y="0"/>
+          <a:chExt cx="0" cy="0"/>
+        </a:xfrm>
+      </p:grpSpPr>
+      <p:sp>
+        <p:nvSpPr>
+          <p:cNvPr id="5" name="Rectangle 4"/>
+          <p:cNvSpPr/>
+          <p:nvPr/>
+        </p:nvSpPr>
+        <p:spPr>
+          <a:xfrm>
+            <a:off x="6096" y="6096"/>
+            <a:ext cx="9144000" cy="1223412"/>
+          </a:xfrm>
+          <a:prstGeom prst="rect">
+            <a:avLst/>
+          </a:prstGeom>
+          <a:noFill/>
+        </p:spPr>
+        <p:txBody>
+          <a:bodyPr wrap="square" lIns="68580" tIns="34290" rIns="68580" bIns="34290">
+            <a:spAutoFit/>
+          </a:bodyPr>
+          <a:lstStyle/>
+          <a:p>
+            <a:pPr algn="ctr"/>
+            <a:endParaRPr lang="en-US" sz="4000" b="1" dirty="0" smtClean="0"/>
+          </a:p>
+          <a:p>
+            <a:pPr lvl="1"/>
+            <a:r>
+              <a:rPr lang="en-AU" sz="3500" b="1" dirty="0" smtClean="0"/>
+              <a:t>Using class instances</a:t>
+            </a:r>
+            <a:endParaRPr lang="en-US" sz="2500" dirty="0" smtClean="0"/>
+          </a:p>
+        </p:txBody>
+      </p:sp>
+      <p:pic>
+        <p:nvPicPr>
+          <p:cNvPr id="2" name="Picture 1"/>
+          <p:cNvPicPr>
+            <a:picLocks noChangeAspect="1"/>
+          </p:cNvPicPr>
+          <p:nvPr/>
+        </p:nvPicPr>
+        <p:blipFill>
+          <a:blip r:embed="rId2">
+            <a:extLst>
+              <a:ext uri="{28A0092B-C50C-407E-A947-70E740481C1C}">
+                <a14:useLocalDpi xmlns:a14="http://schemas.microsoft.com/office/drawing/2010/main" val="0"/>
+              </a:ext>
+            </a:extLst>
+          </a:blip>
+          <a:stretch>
+            <a:fillRect/>
+          </a:stretch>
+        </p:blipFill>
+        <p:spPr>
+          <a:xfrm>
+            <a:off x="920496" y="4343400"/>
+            <a:ext cx="7315200" cy="1552981"/>
+          </a:xfrm>
+          <a:prstGeom prst="rect">
+            <a:avLst/>
+          </a:prstGeom>
+        </p:spPr>
+      </p:pic>
+    </p:spTree>
+    <p:extLst>
+      <p:ext uri="{BB962C8B-B14F-4D97-AF65-F5344CB8AC3E}">
+        <p14:creationId xmlns:p14="http://schemas.microsoft.com/office/powerpoint/2010/main" val="365110726"/>
+      </p:ext>
+    </p:extLst>
+  </p:cSld>
+  <p:clrMapOvr>
+    <a:masterClrMapping/>
+  </p:clrMapOvr>
+  <p:timing>
+    <p:tnLst>
+      <p:par>
+        <p:cTn id="1" dur="indefinite" restart="never" nodeType="tmRoot"/>
+      </p:par>
+    </p:tnLst>
+  </p:timing>
+</p:sld>
+</file>
+
+<file path=ppt/slides/slide14.xml><?xml version="1.0" encoding="utf-8"?>
+<p:sld xmlns:a="http://schemas.openxmlformats.org/drawingml/2006/main" xmlns:r="http://schemas.openxmlformats.org/officeDocument/2006/relationships" xmlns:p="http://schemas.openxmlformats.org/presentationml/2006/main">
+  <p:cSld>
+    <p:bg>
+      <p:bgPr>
+        <a:solidFill>
+          <a:schemeClr val="accent5">
+            <a:lumMod val="60000"/>
+            <a:lumOff val="40000"/>
+          </a:schemeClr>
+        </a:solidFill>
+        <a:effectLst/>
+      </p:bgPr>
+    </p:bg>
+    <p:spTree>
+      <p:nvGrpSpPr>
+        <p:cNvPr id="1" name=""/>
+        <p:cNvGrpSpPr/>
+        <p:nvPr/>
+      </p:nvGrpSpPr>
+      <p:grpSpPr>
+        <a:xfrm>
+          <a:off x="0" y="0"/>
+          <a:ext cx="0" cy="0"/>
+          <a:chOff x="0" y="0"/>
+          <a:chExt cx="0" cy="0"/>
+        </a:xfrm>
+      </p:grpSpPr>
+      <p:sp>
+        <p:nvSpPr>
+          <p:cNvPr id="5" name="Rectangle 4"/>
+          <p:cNvSpPr/>
+          <p:nvPr/>
+        </p:nvSpPr>
+        <p:spPr>
+          <a:xfrm>
+            <a:off x="6096" y="6096"/>
+            <a:ext cx="9144000" cy="1223412"/>
+          </a:xfrm>
+          <a:prstGeom prst="rect">
+            <a:avLst/>
+          </a:prstGeom>
+          <a:noFill/>
+        </p:spPr>
+        <p:txBody>
+          <a:bodyPr wrap="square" lIns="68580" tIns="34290" rIns="68580" bIns="34290">
+            <a:spAutoFit/>
+          </a:bodyPr>
+          <a:lstStyle/>
+          <a:p>
+            <a:pPr algn="ctr"/>
+            <a:endParaRPr lang="en-US" sz="4000" b="1" dirty="0" smtClean="0"/>
+          </a:p>
+          <a:p>
+            <a:pPr lvl="1"/>
+            <a:r>
+              <a:rPr lang="en-AU" sz="3500" b="1" dirty="0" smtClean="0"/>
+              <a:t>Remember #include</a:t>
+            </a:r>
+            <a:endParaRPr lang="en-US" sz="2500" dirty="0" smtClean="0"/>
+          </a:p>
+        </p:txBody>
+      </p:sp>
+    </p:spTree>
+    <p:extLst>
+      <p:ext uri="{BB962C8B-B14F-4D97-AF65-F5344CB8AC3E}">
+        <p14:creationId xmlns:p14="http://schemas.microsoft.com/office/powerpoint/2010/main" val="1941746357"/>
+      </p:ext>
+    </p:extLst>
+  </p:cSld>
+  <p:clrMapOvr>
+    <a:masterClrMapping/>
+  </p:clrMapOvr>
+  <p:timing>
+    <p:tnLst>
+      <p:par>
+        <p:cTn id="1" dur="indefinite" restart="never" nodeType="tmRoot"/>
+      </p:par>
+    </p:tnLst>
+  </p:timing>
+</p:sld>
+</file>
+
+<file path=ppt/slides/slide15.xml><?xml version="1.0" encoding="utf-8"?>
+<p:sld xmlns:a="http://schemas.openxmlformats.org/drawingml/2006/main" xmlns:r="http://schemas.openxmlformats.org/officeDocument/2006/relationships" xmlns:p="http://schemas.openxmlformats.org/presentationml/2006/main">
+  <p:cSld>
+    <p:bg>
+      <p:bgPr>
+        <a:solidFill>
+          <a:schemeClr val="accent5">
+            <a:lumMod val="60000"/>
+            <a:lumOff val="40000"/>
+          </a:schemeClr>
+        </a:solidFill>
+        <a:effectLst/>
+      </p:bgPr>
+    </p:bg>
+    <p:spTree>
+      <p:nvGrpSpPr>
+        <p:cNvPr id="1" name=""/>
+        <p:cNvGrpSpPr/>
+        <p:nvPr/>
+      </p:nvGrpSpPr>
+      <p:grpSpPr>
+        <a:xfrm>
+          <a:off x="0" y="0"/>
+          <a:ext cx="0" cy="0"/>
+          <a:chOff x="0" y="0"/>
+          <a:chExt cx="0" cy="0"/>
+        </a:xfrm>
+      </p:grpSpPr>
+      <p:sp>
+        <p:nvSpPr>
+          <p:cNvPr id="5" name="Rectangle 4"/>
+          <p:cNvSpPr/>
+          <p:nvPr/>
+        </p:nvSpPr>
+        <p:spPr>
+          <a:xfrm>
+            <a:off x="6096" y="6096"/>
+            <a:ext cx="9144000" cy="1223412"/>
+          </a:xfrm>
+          <a:prstGeom prst="rect">
+            <a:avLst/>
+          </a:prstGeom>
+          <a:noFill/>
+        </p:spPr>
+        <p:txBody>
+          <a:bodyPr wrap="square" lIns="68580" tIns="34290" rIns="68580" bIns="34290">
+            <a:spAutoFit/>
+          </a:bodyPr>
+          <a:lstStyle/>
+          <a:p>
+            <a:pPr algn="ctr"/>
+            <a:endParaRPr lang="en-US" sz="4000" b="1" dirty="0" smtClean="0"/>
+          </a:p>
+          <a:p>
+            <a:pPr lvl="1"/>
+            <a:r>
+              <a:rPr lang="en-AU" sz="3500" b="1" dirty="0" smtClean="0"/>
+              <a:t>A .NET alternative to sets and gets</a:t>
+            </a:r>
+            <a:endParaRPr lang="en-US" sz="2500" dirty="0" smtClean="0"/>
+          </a:p>
+        </p:txBody>
+      </p:sp>
+    </p:spTree>
+    <p:extLst>
+      <p:ext uri="{BB962C8B-B14F-4D97-AF65-F5344CB8AC3E}">
+        <p14:creationId xmlns:p14="http://schemas.microsoft.com/office/powerpoint/2010/main" val="1777953832"/>
+      </p:ext>
+    </p:extLst>
+  </p:cSld>
+  <p:clrMapOvr>
+    <a:masterClrMapping/>
+  </p:clrMapOvr>
+  <p:timing>
+    <p:tnLst>
+      <p:par>
+        <p:cTn id="1" dur="indefinite" restart="never" nodeType="tmRoot"/>
+      </p:par>
+    </p:tnLst>
+  </p:timing>
+</p:sld>
+</file>
+
+<file path=ppt/slides/slide16.xml><?xml version="1.0" encoding="utf-8"?>
+<p:sld xmlns:a="http://schemas.openxmlformats.org/drawingml/2006/main" xmlns:r="http://schemas.openxmlformats.org/officeDocument/2006/relationships" xmlns:p="http://schemas.openxmlformats.org/presentationml/2006/main">
+  <p:cSld>
+    <p:bg>
+      <p:bgPr>
+        <a:solidFill>
+          <a:schemeClr val="accent5">
+            <a:lumMod val="60000"/>
+            <a:lumOff val="40000"/>
+          </a:schemeClr>
+        </a:solidFill>
+        <a:effectLst/>
+      </p:bgPr>
+    </p:bg>
+    <p:spTree>
+      <p:nvGrpSpPr>
+        <p:cNvPr id="1" name=""/>
+        <p:cNvGrpSpPr/>
+        <p:nvPr/>
+      </p:nvGrpSpPr>
+      <p:grpSpPr>
+        <a:xfrm>
+          <a:off x="0" y="0"/>
+          <a:ext cx="0" cy="0"/>
+          <a:chOff x="0" y="0"/>
+          <a:chExt cx="0" cy="0"/>
+        </a:xfrm>
+      </p:grpSpPr>
+      <p:sp>
+        <p:nvSpPr>
+          <p:cNvPr id="5" name="Rectangle 4"/>
+          <p:cNvSpPr/>
+          <p:nvPr/>
+        </p:nvSpPr>
+        <p:spPr>
+          <a:xfrm>
+            <a:off x="6096" y="6096"/>
+            <a:ext cx="9144000" cy="1223412"/>
+          </a:xfrm>
+          <a:prstGeom prst="rect">
+            <a:avLst/>
+          </a:prstGeom>
+          <a:noFill/>
+        </p:spPr>
+        <p:txBody>
+          <a:bodyPr wrap="square" lIns="68580" tIns="34290" rIns="68580" bIns="34290">
+            <a:spAutoFit/>
+          </a:bodyPr>
+          <a:lstStyle/>
+          <a:p>
+            <a:pPr algn="ctr"/>
+            <a:endParaRPr lang="en-US" sz="4000" b="1" dirty="0" smtClean="0"/>
+          </a:p>
+          <a:p>
+            <a:pPr lvl="1"/>
+            <a:r>
+              <a:rPr lang="en-AU" sz="3500" b="1" dirty="0" smtClean="0"/>
+              <a:t>.NET property</a:t>
+            </a:r>
+            <a:endParaRPr lang="en-US" sz="2500" dirty="0" smtClean="0"/>
+          </a:p>
+        </p:txBody>
+      </p:sp>
+    </p:spTree>
+    <p:extLst>
+      <p:ext uri="{BB962C8B-B14F-4D97-AF65-F5344CB8AC3E}">
+        <p14:creationId xmlns:p14="http://schemas.microsoft.com/office/powerpoint/2010/main" val="1917250177"/>
+      </p:ext>
+    </p:extLst>
+  </p:cSld>
+  <p:clrMapOvr>
+    <a:masterClrMapping/>
+  </p:clrMapOvr>
+  <p:timing>
+    <p:tnLst>
+      <p:par>
+        <p:cTn id="1" dur="indefinite" restart="never" nodeType="tmRoot"/>
+      </p:par>
+    </p:tnLst>
+  </p:timing>
+</p:sld>
+</file>
+
+<file path=ppt/slides/slide17.xml><?xml version="1.0" encoding="utf-8"?>
+<p:sld xmlns:a="http://schemas.openxmlformats.org/drawingml/2006/main" xmlns:r="http://schemas.openxmlformats.org/officeDocument/2006/relationships" xmlns:p="http://schemas.openxmlformats.org/presentationml/2006/main">
+  <p:cSld>
+    <p:bg>
+      <p:bgPr>
+        <a:solidFill>
+          <a:schemeClr val="accent5">
+            <a:lumMod val="60000"/>
+            <a:lumOff val="40000"/>
+          </a:schemeClr>
+        </a:solidFill>
+        <a:effectLst/>
+      </p:bgPr>
+    </p:bg>
+    <p:spTree>
+      <p:nvGrpSpPr>
+        <p:cNvPr id="1" name=""/>
+        <p:cNvGrpSpPr/>
+        <p:nvPr/>
+      </p:nvGrpSpPr>
+      <p:grpSpPr>
+        <a:xfrm>
+          <a:off x="0" y="0"/>
+          <a:ext cx="0" cy="0"/>
+          <a:chOff x="0" y="0"/>
+          <a:chExt cx="0" cy="0"/>
+        </a:xfrm>
+      </p:grpSpPr>
+      <p:sp>
+        <p:nvSpPr>
+          <p:cNvPr id="5" name="Rectangle 4"/>
+          <p:cNvSpPr/>
+          <p:nvPr/>
+        </p:nvSpPr>
+        <p:spPr>
+          <a:xfrm>
+            <a:off x="6096" y="6096"/>
+            <a:ext cx="9144000" cy="1223412"/>
+          </a:xfrm>
+          <a:prstGeom prst="rect">
+            <a:avLst/>
+          </a:prstGeom>
+          <a:noFill/>
+        </p:spPr>
+        <p:txBody>
+          <a:bodyPr wrap="square" lIns="68580" tIns="34290" rIns="68580" bIns="34290">
+            <a:spAutoFit/>
+          </a:bodyPr>
+          <a:lstStyle/>
+          <a:p>
+            <a:pPr algn="ctr"/>
+            <a:endParaRPr lang="en-US" sz="4000" b="1" dirty="0" smtClean="0"/>
+          </a:p>
+          <a:p>
+            <a:pPr lvl="1"/>
+            <a:r>
+              <a:rPr lang="en-AU" sz="3500" b="1" dirty="0" smtClean="0"/>
+              <a:t>Creating a new class</a:t>
+            </a:r>
+            <a:endParaRPr lang="en-US" sz="2500" dirty="0" smtClean="0"/>
+          </a:p>
+        </p:txBody>
+      </p:sp>
+    </p:spTree>
+    <p:extLst>
+      <p:ext uri="{BB962C8B-B14F-4D97-AF65-F5344CB8AC3E}">
+        <p14:creationId xmlns:p14="http://schemas.microsoft.com/office/powerpoint/2010/main" val="1731800539"/>
+      </p:ext>
+    </p:extLst>
+  </p:cSld>
+  <p:clrMapOvr>
+    <a:masterClrMapping/>
+  </p:clrMapOvr>
+  <p:timing>
+    <p:tnLst>
+      <p:par>
+        <p:cTn id="1" dur="indefinite" restart="never" nodeType="tmRoot"/>
+      </p:par>
+    </p:tnLst>
+  </p:timing>
+</p:sld>
+</file>
+
+<file path=ppt/slides/slide18.xml><?xml version="1.0" encoding="utf-8"?>
+<p:sld xmlns:a="http://schemas.openxmlformats.org/drawingml/2006/main" xmlns:r="http://schemas.openxmlformats.org/officeDocument/2006/relationships" xmlns:p="http://schemas.openxmlformats.org/presentationml/2006/main">
+  <p:cSld>
+    <p:bg>
+      <p:bgPr>
+        <a:solidFill>
+          <a:schemeClr val="accent5">
+            <a:lumMod val="60000"/>
+            <a:lumOff val="40000"/>
+          </a:schemeClr>
+        </a:solidFill>
+        <a:effectLst/>
+      </p:bgPr>
+    </p:bg>
+    <p:spTree>
+      <p:nvGrpSpPr>
+        <p:cNvPr id="1" name=""/>
+        <p:cNvGrpSpPr/>
+        <p:nvPr/>
+      </p:nvGrpSpPr>
+      <p:grpSpPr>
+        <a:xfrm>
+          <a:off x="0" y="0"/>
+          <a:ext cx="0" cy="0"/>
+          <a:chOff x="0" y="0"/>
+          <a:chExt cx="0" cy="0"/>
+        </a:xfrm>
+      </p:grpSpPr>
+      <p:sp>
+        <p:nvSpPr>
+          <p:cNvPr id="5" name="Rectangle 4"/>
+          <p:cNvSpPr/>
+          <p:nvPr/>
+        </p:nvSpPr>
+        <p:spPr>
+          <a:xfrm>
+            <a:off x="6096" y="6096"/>
+            <a:ext cx="9144000" cy="1223412"/>
+          </a:xfrm>
+          <a:prstGeom prst="rect">
+            <a:avLst/>
+          </a:prstGeom>
+          <a:noFill/>
+        </p:spPr>
+        <p:txBody>
+          <a:bodyPr wrap="square" lIns="68580" tIns="34290" rIns="68580" bIns="34290">
+            <a:spAutoFit/>
+          </a:bodyPr>
+          <a:lstStyle/>
+          <a:p>
+            <a:pPr algn="ctr"/>
+            <a:endParaRPr lang="en-US" sz="4000" b="1" dirty="0" smtClean="0"/>
+          </a:p>
+          <a:p>
+            <a:pPr lvl="1"/>
+            <a:r>
+              <a:rPr lang="en-AU" sz="3500" b="1" dirty="0" smtClean="0"/>
+              <a:t>Creating a new class</a:t>
+            </a:r>
+            <a:endParaRPr lang="en-US" sz="2500" dirty="0" smtClean="0"/>
+          </a:p>
+        </p:txBody>
+      </p:sp>
+    </p:spTree>
+    <p:extLst>
+      <p:ext uri="{BB962C8B-B14F-4D97-AF65-F5344CB8AC3E}">
+        <p14:creationId xmlns:p14="http://schemas.microsoft.com/office/powerpoint/2010/main" val="437193751"/>
+      </p:ext>
+    </p:extLst>
+  </p:cSld>
+  <p:clrMapOvr>
+    <a:masterClrMapping/>
+  </p:clrMapOvr>
+  <p:timing>
+    <p:tnLst>
+      <p:par>
+        <p:cTn id="1" dur="indefinite" restart="never" nodeType="tmRoot"/>
+      </p:par>
+    </p:tnLst>
+  </p:timing>
+</p:sld>
+</file>
+
+<file path=ppt/slides/slide19.xml><?xml version="1.0" encoding="utf-8"?>
+<p:sld xmlns:a="http://schemas.openxmlformats.org/drawingml/2006/main" xmlns:r="http://schemas.openxmlformats.org/officeDocument/2006/relationships" xmlns:p="http://schemas.openxmlformats.org/presentationml/2006/main">
+  <p:cSld>
+    <p:bg>
+      <p:bgPr>
+        <a:solidFill>
+          <a:schemeClr val="accent5">
+            <a:lumMod val="60000"/>
+            <a:lumOff val="40000"/>
+          </a:schemeClr>
+        </a:solidFill>
+        <a:effectLst/>
+      </p:bgPr>
+    </p:bg>
+    <p:spTree>
+      <p:nvGrpSpPr>
+        <p:cNvPr id="1" name=""/>
+        <p:cNvGrpSpPr/>
+        <p:nvPr/>
+      </p:nvGrpSpPr>
+      <p:grpSpPr>
+        <a:xfrm>
+          <a:off x="0" y="0"/>
+          <a:ext cx="0" cy="0"/>
+          <a:chOff x="0" y="0"/>
+          <a:chExt cx="0" cy="0"/>
+        </a:xfrm>
+      </p:grpSpPr>
+      <p:sp>
+        <p:nvSpPr>
+          <p:cNvPr id="5" name="Rectangle 4"/>
+          <p:cNvSpPr/>
+          <p:nvPr/>
+        </p:nvSpPr>
+        <p:spPr>
+          <a:xfrm>
+            <a:off x="6096" y="6096"/>
+            <a:ext cx="9144000" cy="1223412"/>
+          </a:xfrm>
+          <a:prstGeom prst="rect">
+            <a:avLst/>
+          </a:prstGeom>
+          <a:noFill/>
+        </p:spPr>
+        <p:txBody>
+          <a:bodyPr wrap="square" lIns="68580" tIns="34290" rIns="68580" bIns="34290">
+            <a:spAutoFit/>
+          </a:bodyPr>
+          <a:lstStyle/>
+          <a:p>
+            <a:pPr algn="ctr"/>
+            <a:endParaRPr lang="en-US" sz="4000" b="1" dirty="0" smtClean="0"/>
+          </a:p>
+          <a:p>
+            <a:pPr lvl="1"/>
+            <a:r>
+              <a:rPr lang="en-AU" sz="3500" b="1" dirty="0" smtClean="0"/>
+              <a:t>Creating a new class</a:t>
+            </a:r>
+            <a:endParaRPr lang="en-US" sz="2500" dirty="0" smtClean="0"/>
+          </a:p>
+        </p:txBody>
+      </p:sp>
+    </p:spTree>
+    <p:extLst>
+      <p:ext uri="{BB962C8B-B14F-4D97-AF65-F5344CB8AC3E}">
+        <p14:creationId xmlns:p14="http://schemas.microsoft.com/office/powerpoint/2010/main" val="1373816670"/>
+      </p:ext>
+    </p:extLst>
+  </p:cSld>
+  <p:clrMapOvr>
+    <a:masterClrMapping/>
+  </p:clrMapOvr>
+  <p:timing>
+    <p:tnLst>
+      <p:par>
+        <p:cTn id="1" dur="indefinite" restart="never" nodeType="tmRoot"/>
+      </p:par>
+    </p:tnLst>
+  </p:timing>
+</p:sld>
+</file>
+
 <file path=ppt/slides/slide2.xml><?xml version="1.0" encoding="utf-8"?>
 <p:sld xmlns:a="http://schemas.openxmlformats.org/drawingml/2006/main" xmlns:r="http://schemas.openxmlformats.org/officeDocument/2006/relationships" xmlns:p="http://schemas.openxmlformats.org/presentationml/2006/main">
   <p:cSld>
@@ -3802,7 +4534,6 @@
               <a:rPr lang="en-US" sz="3500" b="1" dirty="0" smtClean="0"/>
               <a:t>.h and .cpp</a:t>
             </a:r>
-            <a:endParaRPr lang="en-US" sz="3500" b="1" dirty="0" smtClean="0"/>
           </a:p>
           <a:p>
             <a:pPr lvl="1"/>
@@ -3861,7 +4592,6 @@
               <a:rPr lang="en-US" sz="2500" dirty="0" smtClean="0"/>
               <a:t>For each class, we have a .h and .cpp file</a:t>
             </a:r>
-            <a:endParaRPr lang="en-US" sz="2500" dirty="0" smtClean="0"/>
           </a:p>
         </p:txBody>
       </p:sp>
@@ -3869,6 +4599,89 @@
     <p:extLst>
       <p:ext uri="{BB962C8B-B14F-4D97-AF65-F5344CB8AC3E}">
         <p14:creationId xmlns:p14="http://schemas.microsoft.com/office/powerpoint/2010/main" val="2104628370"/>
+      </p:ext>
+    </p:extLst>
+  </p:cSld>
+  <p:clrMapOvr>
+    <a:masterClrMapping/>
+  </p:clrMapOvr>
+  <p:timing>
+    <p:tnLst>
+      <p:par>
+        <p:cTn id="1" dur="indefinite" restart="never" nodeType="tmRoot"/>
+      </p:par>
+    </p:tnLst>
+  </p:timing>
+</p:sld>
+</file>
+
+<file path=ppt/slides/slide20.xml><?xml version="1.0" encoding="utf-8"?>
+<p:sld xmlns:a="http://schemas.openxmlformats.org/drawingml/2006/main" xmlns:r="http://schemas.openxmlformats.org/officeDocument/2006/relationships" xmlns:p="http://schemas.openxmlformats.org/presentationml/2006/main">
+  <p:cSld>
+    <p:bg>
+      <p:bgPr>
+        <a:solidFill>
+          <a:schemeClr val="accent5">
+            <a:lumMod val="60000"/>
+            <a:lumOff val="40000"/>
+          </a:schemeClr>
+        </a:solidFill>
+        <a:effectLst/>
+      </p:bgPr>
+    </p:bg>
+    <p:spTree>
+      <p:nvGrpSpPr>
+        <p:cNvPr id="1" name=""/>
+        <p:cNvGrpSpPr/>
+        <p:nvPr/>
+      </p:nvGrpSpPr>
+      <p:grpSpPr>
+        <a:xfrm>
+          <a:off x="0" y="0"/>
+          <a:ext cx="0" cy="0"/>
+          <a:chOff x="0" y="0"/>
+          <a:chExt cx="0" cy="0"/>
+        </a:xfrm>
+      </p:grpSpPr>
+      <p:sp>
+        <p:nvSpPr>
+          <p:cNvPr id="5" name="Rectangle 4"/>
+          <p:cNvSpPr/>
+          <p:nvPr/>
+        </p:nvSpPr>
+        <p:spPr>
+          <a:xfrm>
+            <a:off x="6096" y="6096"/>
+            <a:ext cx="9144000" cy="1223412"/>
+          </a:xfrm>
+          <a:prstGeom prst="rect">
+            <a:avLst/>
+          </a:prstGeom>
+          <a:noFill/>
+        </p:spPr>
+        <p:txBody>
+          <a:bodyPr wrap="square" lIns="68580" tIns="34290" rIns="68580" bIns="34290">
+            <a:spAutoFit/>
+          </a:bodyPr>
+          <a:lstStyle/>
+          <a:p>
+            <a:pPr algn="ctr"/>
+            <a:endParaRPr lang="en-US" sz="4000" b="1" dirty="0" smtClean="0"/>
+          </a:p>
+          <a:p>
+            <a:pPr lvl="1"/>
+            <a:r>
+              <a:rPr lang="en-AU" sz="3500" b="1" dirty="0" smtClean="0"/>
+              <a:t>Creating a new class</a:t>
+            </a:r>
+            <a:endParaRPr lang="en-US" sz="2500" dirty="0" smtClean="0"/>
+          </a:p>
+        </p:txBody>
+      </p:sp>
+    </p:spTree>
+    <p:extLst>
+      <p:ext uri="{BB962C8B-B14F-4D97-AF65-F5344CB8AC3E}">
+        <p14:creationId xmlns:p14="http://schemas.microsoft.com/office/powerpoint/2010/main" val="2140083793"/>
       </p:ext>
     </p:extLst>
   </p:cSld>
@@ -3944,7 +4757,6 @@
               <a:rPr lang="en-US" sz="3500" b="1" dirty="0" smtClean="0"/>
               <a:t>C++ class definition syntax</a:t>
             </a:r>
-            <a:endParaRPr lang="en-US" sz="3500" b="1" dirty="0" smtClean="0"/>
           </a:p>
           <a:p>
             <a:pPr lvl="1"/>
@@ -3959,7 +4771,6 @@
               <a:rPr lang="en-US" sz="2500" dirty="0" smtClean="0"/>
               <a:t>Variables are declared but not initialised</a:t>
             </a:r>
-            <a:endParaRPr lang="en-US" sz="2500" dirty="0" smtClean="0"/>
           </a:p>
           <a:p>
             <a:pPr marL="1657350" lvl="2" indent="-742950">

--- a/Programming 4/02.1 File Structure/02.1 File Structure.pptx
+++ b/Programming 4/02.1 File Structure/02.1 File Structure.pptx
@@ -20,10 +20,10 @@
     <p:sldId id="266" r:id="rId11"/>
     <p:sldId id="267" r:id="rId12"/>
     <p:sldId id="268" r:id="rId13"/>
-    <p:sldId id="269" r:id="rId14"/>
-    <p:sldId id="270" r:id="rId15"/>
-    <p:sldId id="271" r:id="rId16"/>
-    <p:sldId id="272" r:id="rId17"/>
+    <p:sldId id="270" r:id="rId14"/>
+    <p:sldId id="271" r:id="rId15"/>
+    <p:sldId id="272" r:id="rId16"/>
+    <p:sldId id="278" r:id="rId17"/>
     <p:sldId id="273" r:id="rId18"/>
     <p:sldId id="274" r:id="rId19"/>
     <p:sldId id="275" r:id="rId20"/>
@@ -3816,7 +3816,7 @@
       </p:sp>
       <p:pic>
         <p:nvPicPr>
-          <p:cNvPr id="2" name="Picture 1"/>
+          <p:cNvPr id="4" name="Picture 3"/>
           <p:cNvPicPr>
             <a:picLocks noChangeAspect="1"/>
           </p:cNvPicPr>
@@ -3836,8 +3836,8 @@
         </p:blipFill>
         <p:spPr>
           <a:xfrm>
-            <a:off x="844296" y="4114800"/>
-            <a:ext cx="7467600" cy="997720"/>
+            <a:off x="723900" y="2192246"/>
+            <a:ext cx="7696200" cy="1039685"/>
           </a:xfrm>
           <a:prstGeom prst="rect">
             <a:avLst/>
@@ -3921,7 +3921,7 @@
             <a:pPr lvl="1"/>
             <a:r>
               <a:rPr lang="en-AU" sz="3500" b="1" dirty="0" smtClean="0"/>
-              <a:t>Using class instances</a:t>
+              <a:t>Remember #include</a:t>
             </a:r>
             <a:endParaRPr lang="en-US" sz="2500" dirty="0" smtClean="0"/>
           </a:p>
@@ -3929,7 +3929,7 @@
       </p:sp>
       <p:pic>
         <p:nvPicPr>
-          <p:cNvPr id="2" name="Picture 1"/>
+          <p:cNvPr id="4" name="Picture 3"/>
           <p:cNvPicPr>
             <a:picLocks noChangeAspect="1"/>
           </p:cNvPicPr>
@@ -3949,8 +3949,8 @@
         </p:blipFill>
         <p:spPr>
           <a:xfrm>
-            <a:off x="920496" y="4343400"/>
-            <a:ext cx="7315200" cy="1552981"/>
+            <a:off x="1646210" y="2167321"/>
+            <a:ext cx="5863771" cy="1282700"/>
           </a:xfrm>
           <a:prstGeom prst="rect">
             <a:avLst/>
@@ -3960,7 +3960,7 @@
     </p:spTree>
     <p:extLst>
       <p:ext uri="{BB962C8B-B14F-4D97-AF65-F5344CB8AC3E}">
-        <p14:creationId xmlns:p14="http://schemas.microsoft.com/office/powerpoint/2010/main" val="365110726"/>
+        <p14:creationId xmlns:p14="http://schemas.microsoft.com/office/powerpoint/2010/main" val="1941746357"/>
       </p:ext>
     </p:extLst>
   </p:cSld>
@@ -4014,7 +4014,7 @@
         <p:spPr>
           <a:xfrm>
             <a:off x="6096" y="6096"/>
-            <a:ext cx="9144000" cy="1223412"/>
+            <a:ext cx="9144000" cy="2377574"/>
           </a:xfrm>
           <a:prstGeom prst="rect">
             <a:avLst/>
@@ -4034,16 +4034,70 @@
             <a:pPr lvl="1"/>
             <a:r>
               <a:rPr lang="en-AU" sz="3500" b="1" dirty="0" smtClean="0"/>
-              <a:t>Remember #include</a:t>
-            </a:r>
+              <a:t>A .NET alternative to sets and gets</a:t>
+            </a:r>
+          </a:p>
+          <a:p>
+            <a:pPr marL="1657350" lvl="2" indent="-742950">
+              <a:buFont typeface="Arial" panose="020B0604020202020204" pitchFamily="34" charset="0"/>
+              <a:buChar char="•"/>
+            </a:pPr>
             <a:endParaRPr lang="en-US" sz="2500" dirty="0" smtClean="0"/>
           </a:p>
-        </p:txBody>
-      </p:sp>
+          <a:p>
+            <a:pPr marL="1657350" lvl="2" indent="-742950">
+              <a:buFont typeface="Arial" panose="020B0604020202020204" pitchFamily="34" charset="0"/>
+              <a:buChar char="•"/>
+            </a:pPr>
+            <a:r>
+              <a:rPr lang="en-US" sz="2500" dirty="0" smtClean="0"/>
+              <a:t>If class data members are private, and you </a:t>
+            </a:r>
+          </a:p>
+          <a:p>
+            <a:pPr lvl="2"/>
+            <a:r>
+              <a:rPr lang="en-US" sz="2500" dirty="0" smtClean="0"/>
+              <a:t>	write set and get methods</a:t>
+            </a:r>
+            <a:endParaRPr lang="en-US" sz="2500" dirty="0" smtClean="0"/>
+          </a:p>
+        </p:txBody>
+      </p:sp>
+      <p:pic>
+        <p:nvPicPr>
+          <p:cNvPr id="2" name="Picture 1"/>
+          <p:cNvPicPr>
+            <a:picLocks noChangeAspect="1"/>
+          </p:cNvPicPr>
+          <p:nvPr/>
+        </p:nvPicPr>
+        <p:blipFill>
+          <a:blip r:embed="rId2">
+            <a:extLst>
+              <a:ext uri="{28A0092B-C50C-407E-A947-70E740481C1C}">
+                <a14:useLocalDpi xmlns:a14="http://schemas.microsoft.com/office/drawing/2010/main" val="0"/>
+              </a:ext>
+            </a:extLst>
+          </a:blip>
+          <a:stretch>
+            <a:fillRect/>
+          </a:stretch>
+        </p:blipFill>
+        <p:spPr>
+          <a:xfrm>
+            <a:off x="1841500" y="2895600"/>
+            <a:ext cx="5461000" cy="2451100"/>
+          </a:xfrm>
+          <a:prstGeom prst="rect">
+            <a:avLst/>
+          </a:prstGeom>
+        </p:spPr>
+      </p:pic>
     </p:spTree>
     <p:extLst>
       <p:ext uri="{BB962C8B-B14F-4D97-AF65-F5344CB8AC3E}">
-        <p14:creationId xmlns:p14="http://schemas.microsoft.com/office/powerpoint/2010/main" val="1941746357"/>
+        <p14:creationId xmlns:p14="http://schemas.microsoft.com/office/powerpoint/2010/main" val="1777953832"/>
       </p:ext>
     </p:extLst>
   </p:cSld>
@@ -4117,16 +4171,46 @@
             <a:pPr lvl="1"/>
             <a:r>
               <a:rPr lang="en-AU" sz="3500" b="1" dirty="0" smtClean="0"/>
-              <a:t>A .NET alternative to sets and gets</a:t>
+              <a:t>.NET property</a:t>
             </a:r>
             <a:endParaRPr lang="en-US" sz="2500" dirty="0" smtClean="0"/>
           </a:p>
         </p:txBody>
       </p:sp>
+      <p:pic>
+        <p:nvPicPr>
+          <p:cNvPr id="2" name="Picture 1"/>
+          <p:cNvPicPr>
+            <a:picLocks noChangeAspect="1"/>
+          </p:cNvPicPr>
+          <p:nvPr/>
+        </p:nvPicPr>
+        <p:blipFill>
+          <a:blip r:embed="rId2">
+            <a:extLst>
+              <a:ext uri="{28A0092B-C50C-407E-A947-70E740481C1C}">
+                <a14:useLocalDpi xmlns:a14="http://schemas.microsoft.com/office/drawing/2010/main" val="0"/>
+              </a:ext>
+            </a:extLst>
+          </a:blip>
+          <a:stretch>
+            <a:fillRect/>
+          </a:stretch>
+        </p:blipFill>
+        <p:spPr>
+          <a:xfrm>
+            <a:off x="2539746" y="1676400"/>
+            <a:ext cx="4076700" cy="4903751"/>
+          </a:xfrm>
+          <a:prstGeom prst="rect">
+            <a:avLst/>
+          </a:prstGeom>
+        </p:spPr>
+      </p:pic>
     </p:spTree>
     <p:extLst>
       <p:ext uri="{BB962C8B-B14F-4D97-AF65-F5344CB8AC3E}">
-        <p14:creationId xmlns:p14="http://schemas.microsoft.com/office/powerpoint/2010/main" val="1777953832"/>
+        <p14:creationId xmlns:p14="http://schemas.microsoft.com/office/powerpoint/2010/main" val="1917250177"/>
       </p:ext>
     </p:extLst>
   </p:cSld>
@@ -4200,16 +4284,54 @@
             <a:pPr lvl="1"/>
             <a:r>
               <a:rPr lang="en-AU" sz="3500" b="1" dirty="0" smtClean="0"/>
-              <a:t>.NET property</a:t>
+              <a:t>.NET property </a:t>
+            </a:r>
+            <a:r>
+              <a:rPr lang="mr-IN" sz="3500" b="1" dirty="0" smtClean="0"/>
+              <a:t>–</a:t>
+            </a:r>
+            <a:r>
+              <a:rPr lang="en-AU" sz="3500" b="1" dirty="0" smtClean="0"/>
+              <a:t> less typing </a:t>
             </a:r>
             <a:endParaRPr lang="en-US" sz="2500" dirty="0" smtClean="0"/>
           </a:p>
         </p:txBody>
       </p:sp>
+      <p:pic>
+        <p:nvPicPr>
+          <p:cNvPr id="3" name="Picture 2"/>
+          <p:cNvPicPr>
+            <a:picLocks noChangeAspect="1"/>
+          </p:cNvPicPr>
+          <p:nvPr/>
+        </p:nvPicPr>
+        <p:blipFill>
+          <a:blip r:embed="rId2">
+            <a:extLst>
+              <a:ext uri="{28A0092B-C50C-407E-A947-70E740481C1C}">
+                <a14:useLocalDpi xmlns:a14="http://schemas.microsoft.com/office/drawing/2010/main" val="0"/>
+              </a:ext>
+            </a:extLst>
+          </a:blip>
+          <a:stretch>
+            <a:fillRect/>
+          </a:stretch>
+        </p:blipFill>
+        <p:spPr>
+          <a:xfrm>
+            <a:off x="1073150" y="1828800"/>
+            <a:ext cx="6997700" cy="3619500"/>
+          </a:xfrm>
+          <a:prstGeom prst="rect">
+            <a:avLst/>
+          </a:prstGeom>
+        </p:spPr>
+      </p:pic>
     </p:spTree>
     <p:extLst>
       <p:ext uri="{BB962C8B-B14F-4D97-AF65-F5344CB8AC3E}">
-        <p14:creationId xmlns:p14="http://schemas.microsoft.com/office/powerpoint/2010/main" val="1917250177"/>
+        <p14:creationId xmlns:p14="http://schemas.microsoft.com/office/powerpoint/2010/main" val="1720389330"/>
       </p:ext>
     </p:extLst>
   </p:cSld>
@@ -4289,6 +4411,35 @@
           </a:p>
         </p:txBody>
       </p:sp>
+      <p:pic>
+        <p:nvPicPr>
+          <p:cNvPr id="2" name="Picture 1"/>
+          <p:cNvPicPr>
+            <a:picLocks noChangeAspect="1"/>
+          </p:cNvPicPr>
+          <p:nvPr/>
+        </p:nvPicPr>
+        <p:blipFill rotWithShape="1">
+          <a:blip r:embed="rId2">
+            <a:extLst>
+              <a:ext uri="{28A0092B-C50C-407E-A947-70E740481C1C}">
+                <a14:useLocalDpi xmlns:a14="http://schemas.microsoft.com/office/drawing/2010/main" val="0"/>
+              </a:ext>
+            </a:extLst>
+          </a:blip>
+          <a:srcRect b="4330"/>
+          <a:stretch/>
+        </p:blipFill>
+        <p:spPr>
+          <a:xfrm>
+            <a:off x="882396" y="1600201"/>
+            <a:ext cx="7391400" cy="4419599"/>
+          </a:xfrm>
+          <a:prstGeom prst="rect">
+            <a:avLst/>
+          </a:prstGeom>
+        </p:spPr>
+      </p:pic>
     </p:spTree>
     <p:extLst>
       <p:ext uri="{BB962C8B-B14F-4D97-AF65-F5344CB8AC3E}">
@@ -4372,6 +4523,35 @@
           </a:p>
         </p:txBody>
       </p:sp>
+      <p:pic>
+        <p:nvPicPr>
+          <p:cNvPr id="2" name="Picture 1"/>
+          <p:cNvPicPr>
+            <a:picLocks noChangeAspect="1"/>
+          </p:cNvPicPr>
+          <p:nvPr/>
+        </p:nvPicPr>
+        <p:blipFill rotWithShape="1">
+          <a:blip r:embed="rId2">
+            <a:extLst>
+              <a:ext uri="{28A0092B-C50C-407E-A947-70E740481C1C}">
+                <a14:useLocalDpi xmlns:a14="http://schemas.microsoft.com/office/drawing/2010/main" val="0"/>
+              </a:ext>
+            </a:extLst>
+          </a:blip>
+          <a:srcRect b="4065"/>
+          <a:stretch/>
+        </p:blipFill>
+        <p:spPr>
+          <a:xfrm>
+            <a:off x="829056" y="1676400"/>
+            <a:ext cx="7498080" cy="4495800"/>
+          </a:xfrm>
+          <a:prstGeom prst="rect">
+            <a:avLst/>
+          </a:prstGeom>
+        </p:spPr>
+      </p:pic>
     </p:spTree>
     <p:extLst>
       <p:ext uri="{BB962C8B-B14F-4D97-AF65-F5344CB8AC3E}">
@@ -4455,6 +4635,35 @@
           </a:p>
         </p:txBody>
       </p:sp>
+      <p:pic>
+        <p:nvPicPr>
+          <p:cNvPr id="2" name="Picture 1"/>
+          <p:cNvPicPr>
+            <a:picLocks noChangeAspect="1"/>
+          </p:cNvPicPr>
+          <p:nvPr/>
+        </p:nvPicPr>
+        <p:blipFill rotWithShape="1">
+          <a:blip r:embed="rId2">
+            <a:extLst>
+              <a:ext uri="{28A0092B-C50C-407E-A947-70E740481C1C}">
+                <a14:useLocalDpi xmlns:a14="http://schemas.microsoft.com/office/drawing/2010/main" val="0"/>
+              </a:ext>
+            </a:extLst>
+          </a:blip>
+          <a:srcRect b="4504"/>
+          <a:stretch/>
+        </p:blipFill>
+        <p:spPr>
+          <a:xfrm>
+            <a:off x="1194816" y="2057400"/>
+            <a:ext cx="6766560" cy="4038600"/>
+          </a:xfrm>
+          <a:prstGeom prst="rect">
+            <a:avLst/>
+          </a:prstGeom>
+        </p:spPr>
+      </p:pic>
     </p:spTree>
     <p:extLst>
       <p:ext uri="{BB962C8B-B14F-4D97-AF65-F5344CB8AC3E}">
@@ -4678,6 +4887,35 @@
           </a:p>
         </p:txBody>
       </p:sp>
+      <p:pic>
+        <p:nvPicPr>
+          <p:cNvPr id="2" name="Picture 1"/>
+          <p:cNvPicPr>
+            <a:picLocks noChangeAspect="1"/>
+          </p:cNvPicPr>
+          <p:nvPr/>
+        </p:nvPicPr>
+        <p:blipFill rotWithShape="1">
+          <a:blip r:embed="rId2">
+            <a:extLst>
+              <a:ext uri="{28A0092B-C50C-407E-A947-70E740481C1C}">
+                <a14:useLocalDpi xmlns:a14="http://schemas.microsoft.com/office/drawing/2010/main" val="0"/>
+              </a:ext>
+            </a:extLst>
+          </a:blip>
+          <a:srcRect b="4132"/>
+          <a:stretch/>
+        </p:blipFill>
+        <p:spPr>
+          <a:xfrm>
+            <a:off x="890016" y="1676400"/>
+            <a:ext cx="7376160" cy="4419600"/>
+          </a:xfrm>
+          <a:prstGeom prst="rect">
+            <a:avLst/>
+          </a:prstGeom>
+        </p:spPr>
+      </p:pic>
     </p:spTree>
     <p:extLst>
       <p:ext uri="{BB962C8B-B14F-4D97-AF65-F5344CB8AC3E}">

--- a/Programming 4/02.1 File Structure/02.1 File Structure.pptx
+++ b/Programming 4/02.1 File Structure/02.1 File Structure.pptx
@@ -227,7 +227,7 @@
           <a:p>
             <a:fld id="{14360827-D10E-7243-BAB1-FD33688D9066}" type="datetimeFigureOut">
               <a:rPr lang="en-US" smtClean="0"/>
-              <a:t>7/26/19</a:t>
+              <a:t>7/31/19</a:t>
             </a:fld>
             <a:endParaRPr lang="en-US"/>
           </a:p>
@@ -495,6 +495,1948 @@
 </p:notesMaster>
 </file>
 
+<file path=ppt/notesSlides/notesSlide1.xml><?xml version="1.0" encoding="utf-8"?>
+<p:notes xmlns:a="http://schemas.openxmlformats.org/drawingml/2006/main" xmlns:r="http://schemas.openxmlformats.org/officeDocument/2006/relationships" xmlns:p="http://schemas.openxmlformats.org/presentationml/2006/main">
+  <p:cSld>
+    <p:spTree>
+      <p:nvGrpSpPr>
+        <p:cNvPr id="1" name=""/>
+        <p:cNvGrpSpPr/>
+        <p:nvPr/>
+      </p:nvGrpSpPr>
+      <p:grpSpPr>
+        <a:xfrm>
+          <a:off x="0" y="0"/>
+          <a:ext cx="0" cy="0"/>
+          <a:chOff x="0" y="0"/>
+          <a:chExt cx="0" cy="0"/>
+        </a:xfrm>
+      </p:grpSpPr>
+      <p:sp>
+        <p:nvSpPr>
+          <p:cNvPr id="2" name="Slide Image Placeholder 1"/>
+          <p:cNvSpPr>
+            <a:spLocks noGrp="1" noRot="1" noChangeAspect="1"/>
+          </p:cNvSpPr>
+          <p:nvPr>
+            <p:ph type="sldImg"/>
+          </p:nvPr>
+        </p:nvSpPr>
+        <p:spPr/>
+      </p:sp>
+      <p:sp>
+        <p:nvSpPr>
+          <p:cNvPr id="3" name="Notes Placeholder 2"/>
+          <p:cNvSpPr>
+            <a:spLocks noGrp="1"/>
+          </p:cNvSpPr>
+          <p:nvPr>
+            <p:ph type="body" idx="1"/>
+          </p:nvPr>
+        </p:nvSpPr>
+        <p:spPr/>
+        <p:txBody>
+          <a:bodyPr/>
+          <a:lstStyle/>
+          <a:p>
+            <a:pPr marL="171450" indent="-171450">
+              <a:buFont typeface="Arial" charset="0"/>
+              <a:buChar char="•"/>
+            </a:pPr>
+            <a:r>
+              <a:rPr lang="en-US" dirty="0" smtClean="0"/>
+              <a:t>Today,</a:t>
+            </a:r>
+            <a:r>
+              <a:rPr lang="en-US" baseline="0" dirty="0" smtClean="0"/>
+              <a:t> we introduce the .h and .cpp file structure</a:t>
+            </a:r>
+          </a:p>
+          <a:p>
+            <a:pPr marL="171450" indent="-171450">
+              <a:buFont typeface="Arial" charset="0"/>
+              <a:buChar char="•"/>
+            </a:pPr>
+            <a:endParaRPr lang="en-US" baseline="0" dirty="0" smtClean="0"/>
+          </a:p>
+          <a:p>
+            <a:pPr marL="171450" indent="-171450">
+              <a:buFont typeface="Arial" charset="0"/>
+              <a:buChar char="•"/>
+            </a:pPr>
+            <a:r>
+              <a:rPr lang="en-US" baseline="0" dirty="0" smtClean="0"/>
+              <a:t>You have not seen this in C# or Java</a:t>
+            </a:r>
+          </a:p>
+          <a:p>
+            <a:pPr marL="171450" indent="-171450">
+              <a:buFont typeface="Arial" charset="0"/>
+              <a:buChar char="•"/>
+            </a:pPr>
+            <a:endParaRPr lang="en-US" baseline="0" dirty="0" smtClean="0"/>
+          </a:p>
+          <a:p>
+            <a:pPr marL="171450" indent="-171450">
+              <a:buFont typeface="Arial" charset="0"/>
+              <a:buChar char="•"/>
+            </a:pPr>
+            <a:r>
+              <a:rPr lang="en-US" baseline="0" dirty="0" smtClean="0"/>
+              <a:t>Class names and </a:t>
+            </a:r>
+            <a:r>
+              <a:rPr lang="en-US" baseline="0" dirty="0" smtClean="0"/>
+              <a:t>public entities start with uppercase</a:t>
+            </a:r>
+            <a:r>
+              <a:rPr lang="en-US" baseline="0" dirty="0" smtClean="0"/>
+              <a:t> and private entities start with lowercase</a:t>
+            </a:r>
+            <a:endParaRPr lang="en-US" dirty="0"/>
+          </a:p>
+        </p:txBody>
+      </p:sp>
+      <p:sp>
+        <p:nvSpPr>
+          <p:cNvPr id="4" name="Slide Number Placeholder 3"/>
+          <p:cNvSpPr>
+            <a:spLocks noGrp="1"/>
+          </p:cNvSpPr>
+          <p:nvPr>
+            <p:ph type="sldNum" sz="quarter" idx="10"/>
+          </p:nvPr>
+        </p:nvSpPr>
+        <p:spPr/>
+        <p:txBody>
+          <a:bodyPr/>
+          <a:lstStyle/>
+          <a:p>
+            <a:fld id="{5FA57C19-9E0E-4142-AAC1-12A23B691F36}" type="slidenum">
+              <a:rPr lang="en-US" smtClean="0"/>
+              <a:t>2</a:t>
+            </a:fld>
+            <a:endParaRPr lang="en-US"/>
+          </a:p>
+        </p:txBody>
+      </p:sp>
+    </p:spTree>
+    <p:extLst>
+      <p:ext uri="{BB962C8B-B14F-4D97-AF65-F5344CB8AC3E}">
+        <p14:creationId xmlns:p14="http://schemas.microsoft.com/office/powerpoint/2010/main" val="734088415"/>
+      </p:ext>
+    </p:extLst>
+  </p:cSld>
+  <p:clrMapOvr>
+    <a:masterClrMapping/>
+  </p:clrMapOvr>
+</p:notes>
+</file>
+
+<file path=ppt/notesSlides/notesSlide10.xml><?xml version="1.0" encoding="utf-8"?>
+<p:notes xmlns:a="http://schemas.openxmlformats.org/drawingml/2006/main" xmlns:r="http://schemas.openxmlformats.org/officeDocument/2006/relationships" xmlns:p="http://schemas.openxmlformats.org/presentationml/2006/main">
+  <p:cSld>
+    <p:spTree>
+      <p:nvGrpSpPr>
+        <p:cNvPr id="1" name=""/>
+        <p:cNvGrpSpPr/>
+        <p:nvPr/>
+      </p:nvGrpSpPr>
+      <p:grpSpPr>
+        <a:xfrm>
+          <a:off x="0" y="0"/>
+          <a:ext cx="0" cy="0"/>
+          <a:chOff x="0" y="0"/>
+          <a:chExt cx="0" cy="0"/>
+        </a:xfrm>
+      </p:grpSpPr>
+      <p:sp>
+        <p:nvSpPr>
+          <p:cNvPr id="2" name="Slide Image Placeholder 1"/>
+          <p:cNvSpPr>
+            <a:spLocks noGrp="1" noRot="1" noChangeAspect="1"/>
+          </p:cNvSpPr>
+          <p:nvPr>
+            <p:ph type="sldImg"/>
+          </p:nvPr>
+        </p:nvSpPr>
+        <p:spPr/>
+      </p:sp>
+      <p:sp>
+        <p:nvSpPr>
+          <p:cNvPr id="3" name="Notes Placeholder 2"/>
+          <p:cNvSpPr>
+            <a:spLocks noGrp="1"/>
+          </p:cNvSpPr>
+          <p:nvPr>
+            <p:ph type="body" idx="1"/>
+          </p:nvPr>
+        </p:nvSpPr>
+        <p:spPr/>
+        <p:txBody>
+          <a:bodyPr/>
+          <a:lstStyle/>
+          <a:p>
+            <a:pPr marL="171450" indent="-171450">
+              <a:buFont typeface="Arial" charset="0"/>
+              <a:buChar char="•"/>
+            </a:pPr>
+            <a:r>
+              <a:rPr lang="en-US" dirty="0" smtClean="0"/>
+              <a:t>An </a:t>
+            </a:r>
+            <a:r>
+              <a:rPr lang="en-NZ" b="0" i="0" baseline="0" dirty="0" smtClean="0"/>
+              <a:t>exception to the “no code” rule is made when the method contains exactly one line of code</a:t>
+            </a:r>
+            <a:endParaRPr lang="en-US" dirty="0"/>
+          </a:p>
+        </p:txBody>
+      </p:sp>
+      <p:sp>
+        <p:nvSpPr>
+          <p:cNvPr id="4" name="Slide Number Placeholder 3"/>
+          <p:cNvSpPr>
+            <a:spLocks noGrp="1"/>
+          </p:cNvSpPr>
+          <p:nvPr>
+            <p:ph type="sldNum" sz="quarter" idx="10"/>
+          </p:nvPr>
+        </p:nvSpPr>
+        <p:spPr/>
+        <p:txBody>
+          <a:bodyPr/>
+          <a:lstStyle/>
+          <a:p>
+            <a:fld id="{5FA57C19-9E0E-4142-AAC1-12A23B691F36}" type="slidenum">
+              <a:rPr lang="en-US" smtClean="0"/>
+              <a:t>11</a:t>
+            </a:fld>
+            <a:endParaRPr lang="en-US"/>
+          </a:p>
+        </p:txBody>
+      </p:sp>
+    </p:spTree>
+    <p:extLst>
+      <p:ext uri="{BB962C8B-B14F-4D97-AF65-F5344CB8AC3E}">
+        <p14:creationId xmlns:p14="http://schemas.microsoft.com/office/powerpoint/2010/main" val="2144256361"/>
+      </p:ext>
+    </p:extLst>
+  </p:cSld>
+  <p:clrMapOvr>
+    <a:masterClrMapping/>
+  </p:clrMapOvr>
+</p:notes>
+</file>
+
+<file path=ppt/notesSlides/notesSlide11.xml><?xml version="1.0" encoding="utf-8"?>
+<p:notes xmlns:a="http://schemas.openxmlformats.org/drawingml/2006/main" xmlns:r="http://schemas.openxmlformats.org/officeDocument/2006/relationships" xmlns:p="http://schemas.openxmlformats.org/presentationml/2006/main">
+  <p:cSld>
+    <p:spTree>
+      <p:nvGrpSpPr>
+        <p:cNvPr id="1" name=""/>
+        <p:cNvGrpSpPr/>
+        <p:nvPr/>
+      </p:nvGrpSpPr>
+      <p:grpSpPr>
+        <a:xfrm>
+          <a:off x="0" y="0"/>
+          <a:ext cx="0" cy="0"/>
+          <a:chOff x="0" y="0"/>
+          <a:chExt cx="0" cy="0"/>
+        </a:xfrm>
+      </p:grpSpPr>
+      <p:sp>
+        <p:nvSpPr>
+          <p:cNvPr id="2" name="Slide Image Placeholder 1"/>
+          <p:cNvSpPr>
+            <a:spLocks noGrp="1" noRot="1" noChangeAspect="1"/>
+          </p:cNvSpPr>
+          <p:nvPr>
+            <p:ph type="sldImg"/>
+          </p:nvPr>
+        </p:nvSpPr>
+        <p:spPr/>
+      </p:sp>
+      <p:sp>
+        <p:nvSpPr>
+          <p:cNvPr id="3" name="Notes Placeholder 2"/>
+          <p:cNvSpPr>
+            <a:spLocks noGrp="1"/>
+          </p:cNvSpPr>
+          <p:nvPr>
+            <p:ph type="body" idx="1"/>
+          </p:nvPr>
+        </p:nvSpPr>
+        <p:spPr/>
+        <p:txBody>
+          <a:bodyPr/>
+          <a:lstStyle/>
+          <a:p>
+            <a:pPr marL="171450" indent="-171450">
+              <a:buFont typeface="Arial" charset="0"/>
+              <a:buChar char="•"/>
+            </a:pPr>
+            <a:r>
+              <a:rPr lang="en-US" dirty="0" smtClean="0"/>
+              <a:t>This is how we</a:t>
+            </a:r>
+            <a:r>
+              <a:rPr lang="en-US" baseline="0" dirty="0" smtClean="0"/>
+              <a:t> create a class instance</a:t>
+            </a:r>
+            <a:endParaRPr lang="en-US" dirty="0"/>
+          </a:p>
+        </p:txBody>
+      </p:sp>
+      <p:sp>
+        <p:nvSpPr>
+          <p:cNvPr id="4" name="Slide Number Placeholder 3"/>
+          <p:cNvSpPr>
+            <a:spLocks noGrp="1"/>
+          </p:cNvSpPr>
+          <p:nvPr>
+            <p:ph type="sldNum" sz="quarter" idx="10"/>
+          </p:nvPr>
+        </p:nvSpPr>
+        <p:spPr/>
+        <p:txBody>
+          <a:bodyPr/>
+          <a:lstStyle/>
+          <a:p>
+            <a:fld id="{5FA57C19-9E0E-4142-AAC1-12A23B691F36}" type="slidenum">
+              <a:rPr lang="en-US" smtClean="0"/>
+              <a:t>12</a:t>
+            </a:fld>
+            <a:endParaRPr lang="en-US"/>
+          </a:p>
+        </p:txBody>
+      </p:sp>
+    </p:spTree>
+    <p:extLst>
+      <p:ext uri="{BB962C8B-B14F-4D97-AF65-F5344CB8AC3E}">
+        <p14:creationId xmlns:p14="http://schemas.microsoft.com/office/powerpoint/2010/main" val="1826102624"/>
+      </p:ext>
+    </p:extLst>
+  </p:cSld>
+  <p:clrMapOvr>
+    <a:masterClrMapping/>
+  </p:clrMapOvr>
+</p:notes>
+</file>
+
+<file path=ppt/notesSlides/notesSlide12.xml><?xml version="1.0" encoding="utf-8"?>
+<p:notes xmlns:a="http://schemas.openxmlformats.org/drawingml/2006/main" xmlns:r="http://schemas.openxmlformats.org/officeDocument/2006/relationships" xmlns:p="http://schemas.openxmlformats.org/presentationml/2006/main">
+  <p:cSld>
+    <p:spTree>
+      <p:nvGrpSpPr>
+        <p:cNvPr id="1" name=""/>
+        <p:cNvGrpSpPr/>
+        <p:nvPr/>
+      </p:nvGrpSpPr>
+      <p:grpSpPr>
+        <a:xfrm>
+          <a:off x="0" y="0"/>
+          <a:ext cx="0" cy="0"/>
+          <a:chOff x="0" y="0"/>
+          <a:chExt cx="0" cy="0"/>
+        </a:xfrm>
+      </p:grpSpPr>
+      <p:sp>
+        <p:nvSpPr>
+          <p:cNvPr id="2" name="Slide Image Placeholder 1"/>
+          <p:cNvSpPr>
+            <a:spLocks noGrp="1" noRot="1" noChangeAspect="1"/>
+          </p:cNvSpPr>
+          <p:nvPr>
+            <p:ph type="sldImg"/>
+          </p:nvPr>
+        </p:nvSpPr>
+        <p:spPr/>
+      </p:sp>
+      <p:sp>
+        <p:nvSpPr>
+          <p:cNvPr id="3" name="Notes Placeholder 2"/>
+          <p:cNvSpPr>
+            <a:spLocks noGrp="1"/>
+          </p:cNvSpPr>
+          <p:nvPr>
+            <p:ph type="body" idx="1"/>
+          </p:nvPr>
+        </p:nvSpPr>
+        <p:spPr/>
+        <p:txBody>
+          <a:bodyPr/>
+          <a:lstStyle/>
+          <a:p>
+            <a:pPr marL="171450" indent="-171450">
+              <a:buFont typeface="Arial" charset="0"/>
+              <a:buChar char="•"/>
+            </a:pPr>
+            <a:r>
+              <a:rPr lang="en-NZ" dirty="0" smtClean="0"/>
+              <a:t>Many</a:t>
+            </a:r>
+            <a:r>
+              <a:rPr lang="en-NZ" baseline="0" dirty="0" smtClean="0"/>
+              <a:t> system object data members are done this way, and you can use this approach in your own classes as well</a:t>
+            </a:r>
+          </a:p>
+          <a:p>
+            <a:pPr marL="171450" indent="-171450">
+              <a:buFont typeface="Arial" charset="0"/>
+              <a:buChar char="•"/>
+            </a:pPr>
+            <a:endParaRPr lang="en-NZ" baseline="0" dirty="0" smtClean="0"/>
+          </a:p>
+          <a:p>
+            <a:pPr marL="171450" indent="-171450">
+              <a:buFont typeface="Arial" charset="0"/>
+              <a:buChar char="•"/>
+            </a:pPr>
+            <a:r>
+              <a:rPr lang="en-NZ" baseline="0" dirty="0" smtClean="0"/>
+              <a:t>Private member, with lowercase first letter</a:t>
+            </a:r>
+          </a:p>
+          <a:p>
+            <a:pPr marL="171450" indent="-171450">
+              <a:buFont typeface="Arial" charset="0"/>
+              <a:buChar char="•"/>
+            </a:pPr>
+            <a:endParaRPr lang="en-NZ" baseline="0" dirty="0" smtClean="0"/>
+          </a:p>
+          <a:p>
+            <a:pPr marL="171450" indent="-171450">
+              <a:buFont typeface="Arial" charset="0"/>
+              <a:buChar char="•"/>
+            </a:pPr>
+            <a:r>
+              <a:rPr lang="en-US" dirty="0" smtClean="0"/>
+              <a:t>Public member,</a:t>
+            </a:r>
+            <a:r>
+              <a:rPr lang="en-US" baseline="0" dirty="0" smtClean="0"/>
+              <a:t> with uppercase first letter</a:t>
+            </a:r>
+          </a:p>
+        </p:txBody>
+      </p:sp>
+      <p:sp>
+        <p:nvSpPr>
+          <p:cNvPr id="4" name="Slide Number Placeholder 3"/>
+          <p:cNvSpPr>
+            <a:spLocks noGrp="1"/>
+          </p:cNvSpPr>
+          <p:nvPr>
+            <p:ph type="sldNum" sz="quarter" idx="10"/>
+          </p:nvPr>
+        </p:nvSpPr>
+        <p:spPr/>
+        <p:txBody>
+          <a:bodyPr/>
+          <a:lstStyle/>
+          <a:p>
+            <a:fld id="{5FA57C19-9E0E-4142-AAC1-12A23B691F36}" type="slidenum">
+              <a:rPr lang="en-US" smtClean="0"/>
+              <a:t>15</a:t>
+            </a:fld>
+            <a:endParaRPr lang="en-US"/>
+          </a:p>
+        </p:txBody>
+      </p:sp>
+    </p:spTree>
+    <p:extLst>
+      <p:ext uri="{BB962C8B-B14F-4D97-AF65-F5344CB8AC3E}">
+        <p14:creationId xmlns:p14="http://schemas.microsoft.com/office/powerpoint/2010/main" val="888270618"/>
+      </p:ext>
+    </p:extLst>
+  </p:cSld>
+  <p:clrMapOvr>
+    <a:masterClrMapping/>
+  </p:clrMapOvr>
+</p:notes>
+</file>
+
+<file path=ppt/notesSlides/notesSlide2.xml><?xml version="1.0" encoding="utf-8"?>
+<p:notes xmlns:a="http://schemas.openxmlformats.org/drawingml/2006/main" xmlns:r="http://schemas.openxmlformats.org/officeDocument/2006/relationships" xmlns:p="http://schemas.openxmlformats.org/presentationml/2006/main">
+  <p:cSld>
+    <p:spTree>
+      <p:nvGrpSpPr>
+        <p:cNvPr id="1" name=""/>
+        <p:cNvGrpSpPr/>
+        <p:nvPr/>
+      </p:nvGrpSpPr>
+      <p:grpSpPr>
+        <a:xfrm>
+          <a:off x="0" y="0"/>
+          <a:ext cx="0" cy="0"/>
+          <a:chOff x="0" y="0"/>
+          <a:chExt cx="0" cy="0"/>
+        </a:xfrm>
+      </p:grpSpPr>
+      <p:sp>
+        <p:nvSpPr>
+          <p:cNvPr id="2" name="Slide Image Placeholder 1"/>
+          <p:cNvSpPr>
+            <a:spLocks noGrp="1" noRot="1" noChangeAspect="1"/>
+          </p:cNvSpPr>
+          <p:nvPr>
+            <p:ph type="sldImg"/>
+          </p:nvPr>
+        </p:nvSpPr>
+        <p:spPr/>
+      </p:sp>
+      <p:sp>
+        <p:nvSpPr>
+          <p:cNvPr id="3" name="Notes Placeholder 2"/>
+          <p:cNvSpPr>
+            <a:spLocks noGrp="1"/>
+          </p:cNvSpPr>
+          <p:nvPr>
+            <p:ph type="body" idx="1"/>
+          </p:nvPr>
+        </p:nvSpPr>
+        <p:spPr/>
+        <p:txBody>
+          <a:bodyPr/>
+          <a:lstStyle/>
+          <a:p>
+            <a:pPr marL="171450" indent="-171450">
+              <a:buFont typeface="Arial" charset="0"/>
+              <a:buChar char="•"/>
+            </a:pPr>
+            <a:r>
+              <a:rPr lang="en-US" dirty="0" smtClean="0"/>
+              <a:t>In the .h we declare,</a:t>
+            </a:r>
+            <a:r>
+              <a:rPr lang="en-US" baseline="0" dirty="0" smtClean="0"/>
+              <a:t> but do not initialise data members</a:t>
+            </a:r>
+          </a:p>
+          <a:p>
+            <a:pPr marL="171450" indent="-171450">
+              <a:buFont typeface="Arial" charset="0"/>
+              <a:buChar char="•"/>
+            </a:pPr>
+            <a:endParaRPr lang="en-US" baseline="0" dirty="0" smtClean="0"/>
+          </a:p>
+          <a:p>
+            <a:pPr marL="171450" indent="-171450">
+              <a:buFont typeface="Arial" charset="0"/>
+              <a:buChar char="•"/>
+            </a:pPr>
+            <a:r>
+              <a:rPr lang="en-US" baseline="0" dirty="0" smtClean="0"/>
+              <a:t>In the .h we give function prototypes, but do not implement code</a:t>
+            </a:r>
+          </a:p>
+          <a:p>
+            <a:pPr marL="171450" indent="-171450">
+              <a:buFont typeface="Arial" charset="0"/>
+              <a:buChar char="•"/>
+            </a:pPr>
+            <a:endParaRPr lang="en-US" baseline="0" dirty="0" smtClean="0"/>
+          </a:p>
+          <a:p>
+            <a:pPr marL="171450" indent="-171450">
+              <a:buFont typeface="Arial" charset="0"/>
+              <a:buChar char="•"/>
+            </a:pPr>
+            <a:r>
+              <a:rPr lang="en-US" baseline="0" dirty="0" smtClean="0"/>
+              <a:t>Classes in Visual C++ are either ref or value. The default is ref.</a:t>
+            </a:r>
+          </a:p>
+          <a:p>
+            <a:pPr marL="171450" indent="-171450">
+              <a:buFont typeface="Arial" charset="0"/>
+              <a:buChar char="•"/>
+            </a:pPr>
+            <a:endParaRPr lang="en-US" baseline="0" dirty="0" smtClean="0"/>
+          </a:p>
+          <a:p>
+            <a:pPr marL="171450" indent="-171450">
+              <a:buFont typeface="Arial" charset="0"/>
+              <a:buChar char="•"/>
+            </a:pPr>
+            <a:r>
+              <a:rPr lang="en-US" baseline="0" dirty="0" smtClean="0"/>
+              <a:t>A value class is one with no methods </a:t>
+            </a:r>
+            <a:r>
+              <a:rPr lang="mr-IN" baseline="0" dirty="0" smtClean="0"/>
+              <a:t>–</a:t>
+            </a:r>
+            <a:r>
+              <a:rPr lang="en-US" baseline="0" dirty="0" smtClean="0"/>
+              <a:t> record/structures</a:t>
+            </a:r>
+          </a:p>
+          <a:p>
+            <a:pPr marL="171450" indent="-171450">
+              <a:buFont typeface="Arial" charset="0"/>
+              <a:buChar char="•"/>
+            </a:pPr>
+            <a:endParaRPr lang="en-US" baseline="0" dirty="0" smtClean="0"/>
+          </a:p>
+          <a:p>
+            <a:pPr marL="171450" indent="-171450">
+              <a:buFont typeface="Arial" charset="0"/>
+              <a:buChar char="•"/>
+            </a:pPr>
+            <a:r>
+              <a:rPr lang="en-US" baseline="0" dirty="0" smtClean="0"/>
+              <a:t>We ignore this and just make ref classes</a:t>
+            </a:r>
+          </a:p>
+          <a:p>
+            <a:pPr marL="171450" indent="-171450">
+              <a:buFont typeface="Arial" charset="0"/>
+              <a:buChar char="•"/>
+            </a:pPr>
+            <a:endParaRPr lang="en-US" baseline="0" dirty="0" smtClean="0"/>
+          </a:p>
+          <a:p>
+            <a:pPr marL="171450" indent="-171450">
+              <a:buFont typeface="Arial" charset="0"/>
+              <a:buChar char="•"/>
+            </a:pPr>
+            <a:r>
+              <a:rPr lang="en-US" baseline="0" dirty="0" smtClean="0"/>
+              <a:t>There are three scoping options:</a:t>
+            </a:r>
+          </a:p>
+          <a:p>
+            <a:pPr marL="628650" lvl="1" indent="-171450">
+              <a:buFont typeface="Arial" charset="0"/>
+              <a:buChar char="•"/>
+            </a:pPr>
+            <a:r>
+              <a:rPr lang="en-US" baseline="0" dirty="0" smtClean="0"/>
+              <a:t>Private - accessible only by class members</a:t>
+            </a:r>
+          </a:p>
+          <a:p>
+            <a:pPr marL="628650" lvl="1" indent="-171450">
+              <a:buFont typeface="Arial" charset="0"/>
+              <a:buChar char="•"/>
+            </a:pPr>
+            <a:r>
+              <a:rPr lang="en-US" baseline="0" dirty="0" smtClean="0"/>
+              <a:t>Protected </a:t>
+            </a:r>
+            <a:r>
+              <a:rPr lang="mr-IN" baseline="0" dirty="0" smtClean="0"/>
+              <a:t>–</a:t>
+            </a:r>
+            <a:r>
+              <a:rPr lang="en-US" baseline="0" dirty="0" smtClean="0"/>
+              <a:t> accessible by class members and descendants of the class</a:t>
+            </a:r>
+          </a:p>
+          <a:p>
+            <a:pPr marL="628650" lvl="1" indent="-171450">
+              <a:buFont typeface="Arial" charset="0"/>
+              <a:buChar char="•"/>
+            </a:pPr>
+            <a:r>
+              <a:rPr lang="en-US" baseline="0" dirty="0" smtClean="0"/>
+              <a:t>Public </a:t>
+            </a:r>
+            <a:r>
+              <a:rPr lang="mr-IN" baseline="0" dirty="0" smtClean="0"/>
+              <a:t>–</a:t>
+            </a:r>
+            <a:r>
+              <a:rPr lang="en-US" baseline="0" dirty="0" smtClean="0"/>
+              <a:t> accessible by everyone</a:t>
+            </a:r>
+            <a:endParaRPr lang="en-US" baseline="0" dirty="0" smtClean="0"/>
+          </a:p>
+          <a:p>
+            <a:pPr marL="171450" indent="-171450">
+              <a:buFont typeface="Arial" charset="0"/>
+              <a:buChar char="•"/>
+            </a:pPr>
+            <a:endParaRPr lang="en-US" baseline="0" dirty="0" smtClean="0"/>
+          </a:p>
+          <a:p>
+            <a:pPr marL="171450" indent="-171450">
+              <a:buFont typeface="Arial" charset="0"/>
+              <a:buChar char="•"/>
+            </a:pPr>
+            <a:r>
+              <a:rPr lang="en-US" baseline="0" dirty="0" smtClean="0"/>
+              <a:t>We you declare new function prototypes in the .h file, you can use the wizard to generate the methods in the .cpp. This is much like C# in Programming 2</a:t>
+            </a:r>
+          </a:p>
+          <a:p>
+            <a:pPr marL="171450" indent="-171450">
+              <a:buFont typeface="Arial" charset="0"/>
+              <a:buChar char="•"/>
+            </a:pPr>
+            <a:endParaRPr lang="en-US" baseline="0" dirty="0" smtClean="0"/>
+          </a:p>
+          <a:p>
+            <a:pPr marL="171450" indent="-171450">
+              <a:buFont typeface="Arial" charset="0"/>
+              <a:buChar char="•"/>
+            </a:pPr>
+            <a:r>
+              <a:rPr lang="en-US" baseline="0" dirty="0" smtClean="0"/>
+              <a:t>It is possible to add existing classes and we will be doing this quite often this semester. Take care with wiring everything up, you can get lost really quick</a:t>
+            </a:r>
+          </a:p>
+        </p:txBody>
+      </p:sp>
+      <p:sp>
+        <p:nvSpPr>
+          <p:cNvPr id="4" name="Slide Number Placeholder 3"/>
+          <p:cNvSpPr>
+            <a:spLocks noGrp="1"/>
+          </p:cNvSpPr>
+          <p:nvPr>
+            <p:ph type="sldNum" sz="quarter" idx="10"/>
+          </p:nvPr>
+        </p:nvSpPr>
+        <p:spPr/>
+        <p:txBody>
+          <a:bodyPr/>
+          <a:lstStyle/>
+          <a:p>
+            <a:fld id="{5FA57C19-9E0E-4142-AAC1-12A23B691F36}" type="slidenum">
+              <a:rPr lang="en-US" smtClean="0"/>
+              <a:t>3</a:t>
+            </a:fld>
+            <a:endParaRPr lang="en-US"/>
+          </a:p>
+        </p:txBody>
+      </p:sp>
+    </p:spTree>
+    <p:extLst>
+      <p:ext uri="{BB962C8B-B14F-4D97-AF65-F5344CB8AC3E}">
+        <p14:creationId xmlns:p14="http://schemas.microsoft.com/office/powerpoint/2010/main" val="242606139"/>
+      </p:ext>
+    </p:extLst>
+  </p:cSld>
+  <p:clrMapOvr>
+    <a:masterClrMapping/>
+  </p:clrMapOvr>
+</p:notes>
+</file>
+
+<file path=ppt/notesSlides/notesSlide3.xml><?xml version="1.0" encoding="utf-8"?>
+<p:notes xmlns:a="http://schemas.openxmlformats.org/drawingml/2006/main" xmlns:r="http://schemas.openxmlformats.org/officeDocument/2006/relationships" xmlns:p="http://schemas.openxmlformats.org/presentationml/2006/main">
+  <p:cSld>
+    <p:spTree>
+      <p:nvGrpSpPr>
+        <p:cNvPr id="1" name=""/>
+        <p:cNvGrpSpPr/>
+        <p:nvPr/>
+      </p:nvGrpSpPr>
+      <p:grpSpPr>
+        <a:xfrm>
+          <a:off x="0" y="0"/>
+          <a:ext cx="0" cy="0"/>
+          <a:chOff x="0" y="0"/>
+          <a:chExt cx="0" cy="0"/>
+        </a:xfrm>
+      </p:grpSpPr>
+      <p:sp>
+        <p:nvSpPr>
+          <p:cNvPr id="2" name="Slide Image Placeholder 1"/>
+          <p:cNvSpPr>
+            <a:spLocks noGrp="1" noRot="1" noChangeAspect="1"/>
+          </p:cNvSpPr>
+          <p:nvPr>
+            <p:ph type="sldImg"/>
+          </p:nvPr>
+        </p:nvSpPr>
+        <p:spPr/>
+      </p:sp>
+      <p:sp>
+        <p:nvSpPr>
+          <p:cNvPr id="3" name="Notes Placeholder 2"/>
+          <p:cNvSpPr>
+            <a:spLocks noGrp="1"/>
+          </p:cNvSpPr>
+          <p:nvPr>
+            <p:ph type="body" idx="1"/>
+          </p:nvPr>
+        </p:nvSpPr>
+        <p:spPr/>
+        <p:txBody>
+          <a:bodyPr/>
+          <a:lstStyle/>
+          <a:p>
+            <a:pPr marL="171450" indent="-171450">
+              <a:buFont typeface="Arial" charset="0"/>
+              <a:buChar char="•"/>
+            </a:pPr>
+            <a:r>
+              <a:rPr lang="en-US" dirty="0" smtClean="0"/>
+              <a:t>Form</a:t>
+            </a:r>
+            <a:r>
+              <a:rPr lang="en-US" baseline="0" dirty="0" smtClean="0"/>
+              <a:t> classes are an exception to the no code implementation rule</a:t>
+            </a:r>
+            <a:endParaRPr lang="en-US" dirty="0"/>
+          </a:p>
+        </p:txBody>
+      </p:sp>
+      <p:sp>
+        <p:nvSpPr>
+          <p:cNvPr id="4" name="Slide Number Placeholder 3"/>
+          <p:cNvSpPr>
+            <a:spLocks noGrp="1"/>
+          </p:cNvSpPr>
+          <p:nvPr>
+            <p:ph type="sldNum" sz="quarter" idx="10"/>
+          </p:nvPr>
+        </p:nvSpPr>
+        <p:spPr/>
+        <p:txBody>
+          <a:bodyPr/>
+          <a:lstStyle/>
+          <a:p>
+            <a:fld id="{5FA57C19-9E0E-4142-AAC1-12A23B691F36}" type="slidenum">
+              <a:rPr lang="en-US" smtClean="0"/>
+              <a:t>4</a:t>
+            </a:fld>
+            <a:endParaRPr lang="en-US"/>
+          </a:p>
+        </p:txBody>
+      </p:sp>
+    </p:spTree>
+    <p:extLst>
+      <p:ext uri="{BB962C8B-B14F-4D97-AF65-F5344CB8AC3E}">
+        <p14:creationId xmlns:p14="http://schemas.microsoft.com/office/powerpoint/2010/main" val="2117896595"/>
+      </p:ext>
+    </p:extLst>
+  </p:cSld>
+  <p:clrMapOvr>
+    <a:masterClrMapping/>
+  </p:clrMapOvr>
+</p:notes>
+</file>
+
+<file path=ppt/notesSlides/notesSlide4.xml><?xml version="1.0" encoding="utf-8"?>
+<p:notes xmlns:a="http://schemas.openxmlformats.org/drawingml/2006/main" xmlns:r="http://schemas.openxmlformats.org/officeDocument/2006/relationships" xmlns:p="http://schemas.openxmlformats.org/presentationml/2006/main">
+  <p:cSld>
+    <p:spTree>
+      <p:nvGrpSpPr>
+        <p:cNvPr id="1" name=""/>
+        <p:cNvGrpSpPr/>
+        <p:nvPr/>
+      </p:nvGrpSpPr>
+      <p:grpSpPr>
+        <a:xfrm>
+          <a:off x="0" y="0"/>
+          <a:ext cx="0" cy="0"/>
+          <a:chOff x="0" y="0"/>
+          <a:chExt cx="0" cy="0"/>
+        </a:xfrm>
+      </p:grpSpPr>
+      <p:sp>
+        <p:nvSpPr>
+          <p:cNvPr id="2" name="Slide Image Placeholder 1"/>
+          <p:cNvSpPr>
+            <a:spLocks noGrp="1" noRot="1" noChangeAspect="1"/>
+          </p:cNvSpPr>
+          <p:nvPr>
+            <p:ph type="sldImg"/>
+          </p:nvPr>
+        </p:nvSpPr>
+        <p:spPr/>
+      </p:sp>
+      <p:sp>
+        <p:nvSpPr>
+          <p:cNvPr id="3" name="Notes Placeholder 2"/>
+          <p:cNvSpPr>
+            <a:spLocks noGrp="1"/>
+          </p:cNvSpPr>
+          <p:nvPr>
+            <p:ph type="body" idx="1"/>
+          </p:nvPr>
+        </p:nvSpPr>
+        <p:spPr/>
+        <p:txBody>
+          <a:bodyPr/>
+          <a:lstStyle/>
+          <a:p>
+            <a:pPr marL="171450" indent="-171450">
+              <a:buFont typeface="Arial" charset="0"/>
+              <a:buChar char="•"/>
+            </a:pPr>
+            <a:r>
+              <a:rPr lang="en-US" dirty="0" smtClean="0"/>
+              <a:t>Variables</a:t>
+            </a:r>
+            <a:r>
+              <a:rPr lang="en-US" baseline="0" dirty="0" smtClean="0"/>
+              <a:t> are not initialised at declaration</a:t>
+            </a:r>
+          </a:p>
+          <a:p>
+            <a:pPr marL="171450" indent="-171450">
+              <a:buFont typeface="Arial" charset="0"/>
+              <a:buChar char="•"/>
+            </a:pPr>
+            <a:endParaRPr lang="en-US" baseline="0" dirty="0" smtClean="0"/>
+          </a:p>
+          <a:p>
+            <a:pPr marL="171450" indent="-171450">
+              <a:buFont typeface="Arial" charset="0"/>
+              <a:buChar char="•"/>
+            </a:pPr>
+            <a:r>
+              <a:rPr lang="en-US" baseline="0" dirty="0" smtClean="0"/>
+              <a:t>Function prototypes are not implemented at declaration</a:t>
+            </a:r>
+          </a:p>
+          <a:p>
+            <a:pPr marL="171450" indent="-171450">
+              <a:buFont typeface="Arial" charset="0"/>
+              <a:buChar char="•"/>
+            </a:pPr>
+            <a:endParaRPr lang="en-US" baseline="0" dirty="0" smtClean="0"/>
+          </a:p>
+          <a:p>
+            <a:pPr marL="171450" indent="-171450">
+              <a:buFont typeface="Arial" charset="0"/>
+              <a:buChar char="•"/>
+            </a:pPr>
+            <a:r>
+              <a:rPr lang="en-US" baseline="0" dirty="0" smtClean="0"/>
+              <a:t>Constructors </a:t>
+            </a:r>
+            <a:r>
+              <a:rPr lang="mr-IN" baseline="0" dirty="0" smtClean="0"/>
+              <a:t>–</a:t>
+            </a:r>
+            <a:r>
+              <a:rPr lang="en-US" baseline="0" dirty="0" smtClean="0"/>
+              <a:t> no return type and have the same name as the class</a:t>
+            </a:r>
+          </a:p>
+          <a:p>
+            <a:pPr marL="171450" indent="-171450">
+              <a:buFont typeface="Arial" charset="0"/>
+              <a:buChar char="•"/>
+            </a:pPr>
+            <a:endParaRPr lang="en-US" baseline="0" dirty="0" smtClean="0"/>
+          </a:p>
+          <a:p>
+            <a:pPr marL="171450" indent="-171450">
+              <a:buFont typeface="Arial" charset="0"/>
+              <a:buChar char="•"/>
+            </a:pPr>
+            <a:r>
+              <a:rPr lang="en-US" baseline="0" dirty="0" smtClean="0"/>
+              <a:t>We have two overloaded constructors </a:t>
+            </a:r>
+            <a:r>
+              <a:rPr lang="mr-IN" baseline="0" dirty="0" smtClean="0"/>
+              <a:t>–</a:t>
+            </a:r>
+            <a:r>
+              <a:rPr lang="en-US" baseline="0" dirty="0" smtClean="0"/>
+              <a:t> a class with more than one constructor with different arguments</a:t>
+            </a:r>
+          </a:p>
+          <a:p>
+            <a:pPr marL="171450" indent="-171450">
+              <a:buFont typeface="Arial" charset="0"/>
+              <a:buChar char="•"/>
+            </a:pPr>
+            <a:endParaRPr lang="en-US" baseline="0" dirty="0" smtClean="0"/>
+          </a:p>
+          <a:p>
+            <a:pPr marL="171450" indent="-171450">
+              <a:buFont typeface="Arial" charset="0"/>
+              <a:buChar char="•"/>
+            </a:pPr>
+            <a:r>
+              <a:rPr lang="en-US" baseline="0" dirty="0" smtClean="0"/>
+              <a:t>The convention is C++ is to name the input arguments something different from the variable. In Programming 2 and 3, you used the “this” keyword to differentiate in the code</a:t>
+            </a:r>
+          </a:p>
+          <a:p>
+            <a:pPr marL="171450" indent="-171450">
+              <a:buFont typeface="Arial" charset="0"/>
+              <a:buChar char="•"/>
+            </a:pPr>
+            <a:endParaRPr lang="en-US" baseline="0" dirty="0" smtClean="0"/>
+          </a:p>
+          <a:p>
+            <a:pPr marL="171450" indent="-171450">
+              <a:buFont typeface="Arial" charset="0"/>
+              <a:buChar char="•"/>
+            </a:pPr>
+            <a:r>
+              <a:rPr lang="en-US" baseline="0" dirty="0" smtClean="0"/>
+              <a:t>Destructors are methods that are executed when the memory for an object instance is released. In managed languages with automatic garbage collection, we generally don’t have to write destructors. </a:t>
+            </a:r>
+            <a:r>
+              <a:rPr lang="en-NZ" baseline="0" dirty="0" smtClean="0"/>
+              <a:t>There are some advanced situations where you do – where you want to perform particular clean-up tasks when a object is deleted from memory. This can be closing files or database connections, or manually deleting dynamically generated properties of the class</a:t>
+            </a:r>
+            <a:endParaRPr lang="en-US" dirty="0"/>
+          </a:p>
+        </p:txBody>
+      </p:sp>
+      <p:sp>
+        <p:nvSpPr>
+          <p:cNvPr id="4" name="Slide Number Placeholder 3"/>
+          <p:cNvSpPr>
+            <a:spLocks noGrp="1"/>
+          </p:cNvSpPr>
+          <p:nvPr>
+            <p:ph type="sldNum" sz="quarter" idx="10"/>
+          </p:nvPr>
+        </p:nvSpPr>
+        <p:spPr/>
+        <p:txBody>
+          <a:bodyPr/>
+          <a:lstStyle/>
+          <a:p>
+            <a:fld id="{5FA57C19-9E0E-4142-AAC1-12A23B691F36}" type="slidenum">
+              <a:rPr lang="en-US" smtClean="0"/>
+              <a:t>5</a:t>
+            </a:fld>
+            <a:endParaRPr lang="en-US"/>
+          </a:p>
+        </p:txBody>
+      </p:sp>
+    </p:spTree>
+    <p:extLst>
+      <p:ext uri="{BB962C8B-B14F-4D97-AF65-F5344CB8AC3E}">
+        <p14:creationId xmlns:p14="http://schemas.microsoft.com/office/powerpoint/2010/main" val="221951415"/>
+      </p:ext>
+    </p:extLst>
+  </p:cSld>
+  <p:clrMapOvr>
+    <a:masterClrMapping/>
+  </p:clrMapOvr>
+</p:notes>
+</file>
+
+<file path=ppt/notesSlides/notesSlide5.xml><?xml version="1.0" encoding="utf-8"?>
+<p:notes xmlns:a="http://schemas.openxmlformats.org/drawingml/2006/main" xmlns:r="http://schemas.openxmlformats.org/officeDocument/2006/relationships" xmlns:p="http://schemas.openxmlformats.org/presentationml/2006/main">
+  <p:cSld>
+    <p:spTree>
+      <p:nvGrpSpPr>
+        <p:cNvPr id="1" name=""/>
+        <p:cNvGrpSpPr/>
+        <p:nvPr/>
+      </p:nvGrpSpPr>
+      <p:grpSpPr>
+        <a:xfrm>
+          <a:off x="0" y="0"/>
+          <a:ext cx="0" cy="0"/>
+          <a:chOff x="0" y="0"/>
+          <a:chExt cx="0" cy="0"/>
+        </a:xfrm>
+      </p:grpSpPr>
+      <p:sp>
+        <p:nvSpPr>
+          <p:cNvPr id="2" name="Slide Image Placeholder 1"/>
+          <p:cNvSpPr>
+            <a:spLocks noGrp="1" noRot="1" noChangeAspect="1"/>
+          </p:cNvSpPr>
+          <p:nvPr>
+            <p:ph type="sldImg"/>
+          </p:nvPr>
+        </p:nvSpPr>
+        <p:spPr/>
+      </p:sp>
+      <p:sp>
+        <p:nvSpPr>
+          <p:cNvPr id="3" name="Notes Placeholder 2"/>
+          <p:cNvSpPr>
+            <a:spLocks noGrp="1"/>
+          </p:cNvSpPr>
+          <p:nvPr>
+            <p:ph type="body" idx="1"/>
+          </p:nvPr>
+        </p:nvSpPr>
+        <p:spPr/>
+        <p:txBody>
+          <a:bodyPr/>
+          <a:lstStyle/>
+          <a:p>
+            <a:pPr marL="171450" indent="-171450">
+              <a:buFont typeface="Arial" charset="0"/>
+              <a:buChar char="•"/>
+            </a:pPr>
+            <a:r>
+              <a:rPr lang="en-US" dirty="0" smtClean="0"/>
+              <a:t>In .cpp,</a:t>
+            </a:r>
+            <a:r>
+              <a:rPr lang="en-US" baseline="0" dirty="0" smtClean="0"/>
+              <a:t> you provide code for every method declared in the .h</a:t>
+            </a:r>
+          </a:p>
+          <a:p>
+            <a:pPr marL="171450" indent="-171450">
+              <a:buFont typeface="Arial" charset="0"/>
+              <a:buChar char="•"/>
+            </a:pPr>
+            <a:endParaRPr lang="en-US" baseline="0" dirty="0" smtClean="0"/>
+          </a:p>
+          <a:p>
+            <a:pPr marL="171450" indent="-171450">
+              <a:buFont typeface="Arial" charset="0"/>
+              <a:buChar char="•"/>
+            </a:pPr>
+            <a:r>
+              <a:rPr lang="en-US" dirty="0" smtClean="0"/>
+              <a:t>Recall that we have two constructors</a:t>
+            </a:r>
+            <a:r>
+              <a:rPr lang="en-US" baseline="0" dirty="0" smtClean="0"/>
+              <a:t> </a:t>
+            </a:r>
+            <a:r>
+              <a:rPr lang="en-US" dirty="0" smtClean="0"/>
+              <a:t>and a method called Speak() </a:t>
+            </a:r>
+            <a:r>
+              <a:rPr lang="mr-IN" dirty="0" smtClean="0"/>
+              <a:t>–</a:t>
+            </a:r>
+            <a:r>
+              <a:rPr lang="en-US" dirty="0" smtClean="0"/>
+              <a:t> we</a:t>
+            </a:r>
+            <a:r>
+              <a:rPr lang="en-US" baseline="0" dirty="0" smtClean="0"/>
+              <a:t> will write code for all three</a:t>
+            </a:r>
+          </a:p>
+          <a:p>
+            <a:pPr marL="171450" indent="-171450">
+              <a:buFont typeface="Arial" charset="0"/>
+              <a:buChar char="•"/>
+            </a:pPr>
+            <a:endParaRPr lang="en-US" baseline="0" dirty="0" smtClean="0"/>
+          </a:p>
+          <a:p>
+            <a:pPr marL="171450" indent="-171450">
+              <a:buFont typeface="Arial" charset="0"/>
+              <a:buChar char="•"/>
+            </a:pPr>
+            <a:r>
+              <a:rPr lang="en-US" baseline="0" dirty="0" smtClean="0"/>
+              <a:t>Class name::constructor name(optional arguments) { initialise values }</a:t>
+            </a:r>
+          </a:p>
+          <a:p>
+            <a:pPr marL="171450" indent="-171450">
+              <a:buFont typeface="Arial" charset="0"/>
+              <a:buChar char="•"/>
+            </a:pPr>
+            <a:endParaRPr lang="en-US" baseline="0" dirty="0" smtClean="0"/>
+          </a:p>
+          <a:p>
+            <a:pPr marL="171450" indent="-171450">
+              <a:buFont typeface="Arial" charset="0"/>
+              <a:buChar char="•"/>
+            </a:pPr>
+            <a:r>
+              <a:rPr lang="en-US" baseline="0" dirty="0" smtClean="0"/>
+              <a:t>You prefix the function with the class name and scoping operator ::</a:t>
+            </a:r>
+          </a:p>
+          <a:p>
+            <a:pPr marL="171450" indent="-171450">
+              <a:buFont typeface="Arial" charset="0"/>
+              <a:buChar char="•"/>
+            </a:pPr>
+            <a:endParaRPr lang="en-US" baseline="0" dirty="0" smtClean="0"/>
+          </a:p>
+          <a:p>
+            <a:pPr marL="171450" indent="-171450">
+              <a:buFont typeface="Arial" charset="0"/>
+              <a:buChar char="•"/>
+            </a:pPr>
+            <a:r>
+              <a:rPr lang="en-US" baseline="0" dirty="0" smtClean="0"/>
+              <a:t>This is how the compiler matches up the code in the .cpp with the declaration in .h file</a:t>
+            </a:r>
+          </a:p>
+          <a:p>
+            <a:pPr marL="171450" indent="-171450">
+              <a:buFont typeface="Arial" charset="0"/>
+              <a:buChar char="•"/>
+            </a:pPr>
+            <a:endParaRPr lang="en-US" baseline="0" dirty="0" smtClean="0"/>
+          </a:p>
+          <a:p>
+            <a:pPr marL="171450" indent="-171450">
+              <a:buFont typeface="Arial" charset="0"/>
+              <a:buChar char="•"/>
+            </a:pPr>
+            <a:r>
+              <a:rPr lang="en-US" baseline="0" dirty="0" smtClean="0"/>
+              <a:t>This is how it knows when class Animal calls its method, which code should be executed</a:t>
+            </a:r>
+          </a:p>
+          <a:p>
+            <a:pPr marL="171450" indent="-171450">
+              <a:buFont typeface="Arial" charset="0"/>
+              <a:buChar char="•"/>
+            </a:pPr>
+            <a:endParaRPr lang="en-US" baseline="0" dirty="0" smtClean="0"/>
+          </a:p>
+          <a:p>
+            <a:pPr marL="171450" indent="-171450">
+              <a:buFont typeface="Arial" charset="0"/>
+              <a:buChar char="•"/>
+            </a:pPr>
+            <a:r>
+              <a:rPr lang="en-US" baseline="0" dirty="0" smtClean="0"/>
+              <a:t>If you omit the class identifier, the code will not compile because it won’t be able to match up the .h and .cpp methods</a:t>
+            </a:r>
+            <a:endParaRPr lang="en-US" dirty="0"/>
+          </a:p>
+        </p:txBody>
+      </p:sp>
+      <p:sp>
+        <p:nvSpPr>
+          <p:cNvPr id="4" name="Slide Number Placeholder 3"/>
+          <p:cNvSpPr>
+            <a:spLocks noGrp="1"/>
+          </p:cNvSpPr>
+          <p:nvPr>
+            <p:ph type="sldNum" sz="quarter" idx="10"/>
+          </p:nvPr>
+        </p:nvSpPr>
+        <p:spPr/>
+        <p:txBody>
+          <a:bodyPr/>
+          <a:lstStyle/>
+          <a:p>
+            <a:fld id="{5FA57C19-9E0E-4142-AAC1-12A23B691F36}" type="slidenum">
+              <a:rPr lang="en-US" smtClean="0"/>
+              <a:t>6</a:t>
+            </a:fld>
+            <a:endParaRPr lang="en-US"/>
+          </a:p>
+        </p:txBody>
+      </p:sp>
+    </p:spTree>
+    <p:extLst>
+      <p:ext uri="{BB962C8B-B14F-4D97-AF65-F5344CB8AC3E}">
+        <p14:creationId xmlns:p14="http://schemas.microsoft.com/office/powerpoint/2010/main" val="1303344160"/>
+      </p:ext>
+    </p:extLst>
+  </p:cSld>
+  <p:clrMapOvr>
+    <a:masterClrMapping/>
+  </p:clrMapOvr>
+</p:notes>
+</file>
+
+<file path=ppt/notesSlides/notesSlide6.xml><?xml version="1.0" encoding="utf-8"?>
+<p:notes xmlns:a="http://schemas.openxmlformats.org/drawingml/2006/main" xmlns:r="http://schemas.openxmlformats.org/officeDocument/2006/relationships" xmlns:p="http://schemas.openxmlformats.org/presentationml/2006/main">
+  <p:cSld>
+    <p:spTree>
+      <p:nvGrpSpPr>
+        <p:cNvPr id="1" name=""/>
+        <p:cNvGrpSpPr/>
+        <p:nvPr/>
+      </p:nvGrpSpPr>
+      <p:grpSpPr>
+        <a:xfrm>
+          <a:off x="0" y="0"/>
+          <a:ext cx="0" cy="0"/>
+          <a:chOff x="0" y="0"/>
+          <a:chExt cx="0" cy="0"/>
+        </a:xfrm>
+      </p:grpSpPr>
+      <p:sp>
+        <p:nvSpPr>
+          <p:cNvPr id="2" name="Slide Image Placeholder 1"/>
+          <p:cNvSpPr>
+            <a:spLocks noGrp="1" noRot="1" noChangeAspect="1"/>
+          </p:cNvSpPr>
+          <p:nvPr>
+            <p:ph type="sldImg"/>
+          </p:nvPr>
+        </p:nvSpPr>
+        <p:spPr/>
+      </p:sp>
+      <p:sp>
+        <p:nvSpPr>
+          <p:cNvPr id="3" name="Notes Placeholder 2"/>
+          <p:cNvSpPr>
+            <a:spLocks noGrp="1"/>
+          </p:cNvSpPr>
+          <p:nvPr>
+            <p:ph type="body" idx="1"/>
+          </p:nvPr>
+        </p:nvSpPr>
+        <p:spPr/>
+        <p:txBody>
+          <a:bodyPr/>
+          <a:lstStyle/>
+          <a:p>
+            <a:pPr marL="171450" indent="-171450">
+              <a:buFont typeface="Arial" charset="0"/>
+              <a:buChar char="•"/>
+            </a:pPr>
+            <a:r>
+              <a:rPr lang="en-US" dirty="0" smtClean="0"/>
+              <a:t>When no data values are passed in, we have to come up with default values</a:t>
+            </a:r>
+          </a:p>
+        </p:txBody>
+      </p:sp>
+      <p:sp>
+        <p:nvSpPr>
+          <p:cNvPr id="4" name="Slide Number Placeholder 3"/>
+          <p:cNvSpPr>
+            <a:spLocks noGrp="1"/>
+          </p:cNvSpPr>
+          <p:nvPr>
+            <p:ph type="sldNum" sz="quarter" idx="10"/>
+          </p:nvPr>
+        </p:nvSpPr>
+        <p:spPr/>
+        <p:txBody>
+          <a:bodyPr/>
+          <a:lstStyle/>
+          <a:p>
+            <a:fld id="{5FA57C19-9E0E-4142-AAC1-12A23B691F36}" type="slidenum">
+              <a:rPr lang="en-US" smtClean="0"/>
+              <a:t>7</a:t>
+            </a:fld>
+            <a:endParaRPr lang="en-US"/>
+          </a:p>
+        </p:txBody>
+      </p:sp>
+    </p:spTree>
+    <p:extLst>
+      <p:ext uri="{BB962C8B-B14F-4D97-AF65-F5344CB8AC3E}">
+        <p14:creationId xmlns:p14="http://schemas.microsoft.com/office/powerpoint/2010/main" val="2130605152"/>
+      </p:ext>
+    </p:extLst>
+  </p:cSld>
+  <p:clrMapOvr>
+    <a:masterClrMapping/>
+  </p:clrMapOvr>
+</p:notes>
+</file>
+
+<file path=ppt/notesSlides/notesSlide7.xml><?xml version="1.0" encoding="utf-8"?>
+<p:notes xmlns:a="http://schemas.openxmlformats.org/drawingml/2006/main" xmlns:r="http://schemas.openxmlformats.org/officeDocument/2006/relationships" xmlns:p="http://schemas.openxmlformats.org/presentationml/2006/main">
+  <p:cSld>
+    <p:spTree>
+      <p:nvGrpSpPr>
+        <p:cNvPr id="1" name=""/>
+        <p:cNvGrpSpPr/>
+        <p:nvPr/>
+      </p:nvGrpSpPr>
+      <p:grpSpPr>
+        <a:xfrm>
+          <a:off x="0" y="0"/>
+          <a:ext cx="0" cy="0"/>
+          <a:chOff x="0" y="0"/>
+          <a:chExt cx="0" cy="0"/>
+        </a:xfrm>
+      </p:grpSpPr>
+      <p:sp>
+        <p:nvSpPr>
+          <p:cNvPr id="2" name="Slide Image Placeholder 1"/>
+          <p:cNvSpPr>
+            <a:spLocks noGrp="1" noRot="1" noChangeAspect="1"/>
+          </p:cNvSpPr>
+          <p:nvPr>
+            <p:ph type="sldImg"/>
+          </p:nvPr>
+        </p:nvSpPr>
+        <p:spPr/>
+      </p:sp>
+      <p:sp>
+        <p:nvSpPr>
+          <p:cNvPr id="3" name="Notes Placeholder 2"/>
+          <p:cNvSpPr>
+            <a:spLocks noGrp="1"/>
+          </p:cNvSpPr>
+          <p:nvPr>
+            <p:ph type="body" idx="1"/>
+          </p:nvPr>
+        </p:nvSpPr>
+        <p:spPr/>
+        <p:txBody>
+          <a:bodyPr/>
+          <a:lstStyle/>
+          <a:p>
+            <a:pPr marL="171450" indent="-171450">
+              <a:buFont typeface="Arial" charset="0"/>
+              <a:buChar char="•"/>
+            </a:pPr>
+            <a:r>
+              <a:rPr lang="en-US" dirty="0" smtClean="0"/>
+              <a:t>You must mark</a:t>
+            </a:r>
+            <a:r>
+              <a:rPr lang="en-US" baseline="0" dirty="0" smtClean="0"/>
+              <a:t> the method in the .cpp with the class name and scoping operator ::</a:t>
+            </a:r>
+          </a:p>
+          <a:p>
+            <a:pPr marL="171450" indent="-171450">
+              <a:buFont typeface="Arial" charset="0"/>
+              <a:buChar char="•"/>
+            </a:pPr>
+            <a:endParaRPr lang="en-US" baseline="0" dirty="0" smtClean="0"/>
+          </a:p>
+          <a:p>
+            <a:pPr marL="171450" indent="-171450">
+              <a:buFont typeface="Arial" charset="0"/>
+              <a:buChar char="•"/>
+            </a:pPr>
+            <a:r>
+              <a:rPr lang="en-US" baseline="0" dirty="0" smtClean="0"/>
+              <a:t>One comment about this code </a:t>
+            </a:r>
+            <a:r>
+              <a:rPr lang="mr-IN" baseline="0" dirty="0" smtClean="0"/>
+              <a:t>–</a:t>
+            </a:r>
+            <a:r>
+              <a:rPr lang="en-US" baseline="0" dirty="0" smtClean="0"/>
+              <a:t> if you try and run it, it will fail. The compiler won’t be able to recognise MessageBox. Form components have their own system namespace</a:t>
+            </a:r>
+          </a:p>
+          <a:p>
+            <a:pPr marL="171450" indent="-171450">
+              <a:buFont typeface="Arial" charset="0"/>
+              <a:buChar char="•"/>
+            </a:pPr>
+            <a:endParaRPr lang="en-US" baseline="0" dirty="0" smtClean="0"/>
+          </a:p>
+          <a:p>
+            <a:pPr marL="171450" indent="-171450">
+              <a:buFont typeface="Arial" charset="0"/>
+              <a:buChar char="•"/>
+            </a:pPr>
+            <a:r>
+              <a:rPr lang="en-US" baseline="0" dirty="0" smtClean="0"/>
+              <a:t>If you want to do this, put your system namespaces in the .h file</a:t>
+            </a:r>
+            <a:endParaRPr lang="en-US" dirty="0"/>
+          </a:p>
+        </p:txBody>
+      </p:sp>
+      <p:sp>
+        <p:nvSpPr>
+          <p:cNvPr id="4" name="Slide Number Placeholder 3"/>
+          <p:cNvSpPr>
+            <a:spLocks noGrp="1"/>
+          </p:cNvSpPr>
+          <p:nvPr>
+            <p:ph type="sldNum" sz="quarter" idx="10"/>
+          </p:nvPr>
+        </p:nvSpPr>
+        <p:spPr/>
+        <p:txBody>
+          <a:bodyPr/>
+          <a:lstStyle/>
+          <a:p>
+            <a:fld id="{5FA57C19-9E0E-4142-AAC1-12A23B691F36}" type="slidenum">
+              <a:rPr lang="en-US" smtClean="0"/>
+              <a:t>8</a:t>
+            </a:fld>
+            <a:endParaRPr lang="en-US"/>
+          </a:p>
+        </p:txBody>
+      </p:sp>
+    </p:spTree>
+    <p:extLst>
+      <p:ext uri="{BB962C8B-B14F-4D97-AF65-F5344CB8AC3E}">
+        <p14:creationId xmlns:p14="http://schemas.microsoft.com/office/powerpoint/2010/main" val="179092126"/>
+      </p:ext>
+    </p:extLst>
+  </p:cSld>
+  <p:clrMapOvr>
+    <a:masterClrMapping/>
+  </p:clrMapOvr>
+</p:notes>
+</file>
+
+<file path=ppt/notesSlides/notesSlide8.xml><?xml version="1.0" encoding="utf-8"?>
+<p:notes xmlns:a="http://schemas.openxmlformats.org/drawingml/2006/main" xmlns:r="http://schemas.openxmlformats.org/officeDocument/2006/relationships" xmlns:p="http://schemas.openxmlformats.org/presentationml/2006/main">
+  <p:cSld>
+    <p:spTree>
+      <p:nvGrpSpPr>
+        <p:cNvPr id="1" name=""/>
+        <p:cNvGrpSpPr/>
+        <p:nvPr/>
+      </p:nvGrpSpPr>
+      <p:grpSpPr>
+        <a:xfrm>
+          <a:off x="0" y="0"/>
+          <a:ext cx="0" cy="0"/>
+          <a:chOff x="0" y="0"/>
+          <a:chExt cx="0" cy="0"/>
+        </a:xfrm>
+      </p:grpSpPr>
+      <p:sp>
+        <p:nvSpPr>
+          <p:cNvPr id="2" name="Slide Image Placeholder 1"/>
+          <p:cNvSpPr>
+            <a:spLocks noGrp="1" noRot="1" noChangeAspect="1"/>
+          </p:cNvSpPr>
+          <p:nvPr>
+            <p:ph type="sldImg"/>
+          </p:nvPr>
+        </p:nvSpPr>
+        <p:spPr/>
+      </p:sp>
+      <p:sp>
+        <p:nvSpPr>
+          <p:cNvPr id="3" name="Notes Placeholder 2"/>
+          <p:cNvSpPr>
+            <a:spLocks noGrp="1"/>
+          </p:cNvSpPr>
+          <p:nvPr>
+            <p:ph type="body" idx="1"/>
+          </p:nvPr>
+        </p:nvSpPr>
+        <p:spPr/>
+        <p:txBody>
+          <a:bodyPr/>
+          <a:lstStyle/>
+          <a:p>
+            <a:pPr marL="171450" indent="-171450">
+              <a:buFont typeface="Arial" charset="0"/>
+              <a:buChar char="•"/>
+            </a:pPr>
+            <a:r>
+              <a:rPr lang="en-NZ" dirty="0" smtClean="0"/>
+              <a:t>Complete Animal.h</a:t>
+            </a:r>
+          </a:p>
+          <a:p>
+            <a:pPr marL="171450" indent="-171450">
+              <a:buFont typeface="Arial" charset="0"/>
+              <a:buChar char="•"/>
+            </a:pPr>
+            <a:endParaRPr lang="en-NZ" dirty="0" smtClean="0"/>
+          </a:p>
+          <a:p>
+            <a:pPr marL="171450" indent="-171450">
+              <a:buFont typeface="Arial" charset="0"/>
+              <a:buChar char="•"/>
+            </a:pPr>
+            <a:r>
+              <a:rPr lang="en-NZ" dirty="0" smtClean="0"/>
+              <a:t>#pragma once is automatically supplied by the system. That’s the first line of every .h file you get. It tells the compiler to only</a:t>
+            </a:r>
+            <a:r>
+              <a:rPr lang="en-NZ" baseline="0" dirty="0" smtClean="0"/>
+              <a:t> add this class once to the build</a:t>
+            </a:r>
+          </a:p>
+          <a:p>
+            <a:pPr marL="171450" indent="-171450">
+              <a:buFont typeface="Arial" charset="0"/>
+              <a:buChar char="•"/>
+            </a:pPr>
+            <a:endParaRPr lang="en-NZ" baseline="0" dirty="0" smtClean="0"/>
+          </a:p>
+          <a:p>
+            <a:pPr marL="171450" indent="-171450">
+              <a:buFont typeface="Arial" charset="0"/>
+              <a:buChar char="•"/>
+            </a:pPr>
+            <a:r>
+              <a:rPr lang="en-NZ" baseline="0" dirty="0" smtClean="0"/>
+              <a:t>Add a using statement for any namespace you need. One easy way is to just copy the ones from MyForm.h and paste them in</a:t>
+            </a:r>
+          </a:p>
+          <a:p>
+            <a:pPr marL="171450" indent="-171450">
+              <a:buFont typeface="Arial" charset="0"/>
+              <a:buChar char="•"/>
+            </a:pPr>
+            <a:endParaRPr lang="en-NZ" baseline="0" dirty="0" smtClean="0"/>
+          </a:p>
+          <a:p>
+            <a:pPr marL="171450" indent="-171450">
+              <a:buFont typeface="Arial" charset="0"/>
+              <a:buChar char="•"/>
+            </a:pPr>
+            <a:r>
+              <a:rPr lang="en-NZ" baseline="0" dirty="0" smtClean="0"/>
+              <a:t>This semi-colon is part of the code supplied by the system when you create a class. It follows the closing curly bracket of the class definition code block, which starts with ref class Animal. </a:t>
+            </a:r>
+            <a:r>
+              <a:rPr lang="en-NZ" b="1" baseline="0" dirty="0" smtClean="0"/>
+              <a:t>BE CAREFUL WITH IT. NEVER DELETE IT</a:t>
+            </a:r>
+            <a:endParaRPr lang="en-US" dirty="0"/>
+          </a:p>
+        </p:txBody>
+      </p:sp>
+      <p:sp>
+        <p:nvSpPr>
+          <p:cNvPr id="4" name="Slide Number Placeholder 3"/>
+          <p:cNvSpPr>
+            <a:spLocks noGrp="1"/>
+          </p:cNvSpPr>
+          <p:nvPr>
+            <p:ph type="sldNum" sz="quarter" idx="10"/>
+          </p:nvPr>
+        </p:nvSpPr>
+        <p:spPr/>
+        <p:txBody>
+          <a:bodyPr/>
+          <a:lstStyle/>
+          <a:p>
+            <a:fld id="{5FA57C19-9E0E-4142-AAC1-12A23B691F36}" type="slidenum">
+              <a:rPr lang="en-US" smtClean="0"/>
+              <a:t>9</a:t>
+            </a:fld>
+            <a:endParaRPr lang="en-US"/>
+          </a:p>
+        </p:txBody>
+      </p:sp>
+    </p:spTree>
+    <p:extLst>
+      <p:ext uri="{BB962C8B-B14F-4D97-AF65-F5344CB8AC3E}">
+        <p14:creationId xmlns:p14="http://schemas.microsoft.com/office/powerpoint/2010/main" val="904898614"/>
+      </p:ext>
+    </p:extLst>
+  </p:cSld>
+  <p:clrMapOvr>
+    <a:masterClrMapping/>
+  </p:clrMapOvr>
+</p:notes>
+</file>
+
+<file path=ppt/notesSlides/notesSlide9.xml><?xml version="1.0" encoding="utf-8"?>
+<p:notes xmlns:a="http://schemas.openxmlformats.org/drawingml/2006/main" xmlns:r="http://schemas.openxmlformats.org/officeDocument/2006/relationships" xmlns:p="http://schemas.openxmlformats.org/presentationml/2006/main">
+  <p:cSld>
+    <p:spTree>
+      <p:nvGrpSpPr>
+        <p:cNvPr id="1" name=""/>
+        <p:cNvGrpSpPr/>
+        <p:nvPr/>
+      </p:nvGrpSpPr>
+      <p:grpSpPr>
+        <a:xfrm>
+          <a:off x="0" y="0"/>
+          <a:ext cx="0" cy="0"/>
+          <a:chOff x="0" y="0"/>
+          <a:chExt cx="0" cy="0"/>
+        </a:xfrm>
+      </p:grpSpPr>
+      <p:sp>
+        <p:nvSpPr>
+          <p:cNvPr id="2" name="Slide Image Placeholder 1"/>
+          <p:cNvSpPr>
+            <a:spLocks noGrp="1" noRot="1" noChangeAspect="1"/>
+          </p:cNvSpPr>
+          <p:nvPr>
+            <p:ph type="sldImg"/>
+          </p:nvPr>
+        </p:nvSpPr>
+        <p:spPr/>
+      </p:sp>
+      <p:sp>
+        <p:nvSpPr>
+          <p:cNvPr id="3" name="Notes Placeholder 2"/>
+          <p:cNvSpPr>
+            <a:spLocks noGrp="1"/>
+          </p:cNvSpPr>
+          <p:nvPr>
+            <p:ph type="body" idx="1"/>
+          </p:nvPr>
+        </p:nvSpPr>
+        <p:spPr/>
+        <p:txBody>
+          <a:bodyPr/>
+          <a:lstStyle/>
+          <a:p>
+            <a:pPr marL="171450" marR="0" indent="-171450" algn="l" defTabSz="914400" rtl="0" eaLnBrk="1" fontAlgn="auto" latinLnBrk="0" hangingPunct="1">
+              <a:lnSpc>
+                <a:spcPct val="100000"/>
+              </a:lnSpc>
+              <a:spcBef>
+                <a:spcPts val="0"/>
+              </a:spcBef>
+              <a:spcAft>
+                <a:spcPts val="0"/>
+              </a:spcAft>
+              <a:buClrTx/>
+              <a:buSzTx/>
+              <a:buFont typeface="Arial" charset="0"/>
+              <a:buChar char="•"/>
+              <a:tabLst/>
+              <a:defRPr/>
+            </a:pPr>
+            <a:r>
+              <a:rPr lang="en-US" dirty="0" smtClean="0"/>
+              <a:t>Complete </a:t>
+            </a:r>
+            <a:r>
+              <a:rPr lang="en-NZ" dirty="0" smtClean="0"/>
+              <a:t>Animal.cpp</a:t>
+            </a:r>
+          </a:p>
+          <a:p>
+            <a:pPr marL="171450" marR="0" indent="-171450" algn="l" defTabSz="914400" rtl="0" eaLnBrk="1" fontAlgn="auto" latinLnBrk="0" hangingPunct="1">
+              <a:lnSpc>
+                <a:spcPct val="100000"/>
+              </a:lnSpc>
+              <a:spcBef>
+                <a:spcPts val="0"/>
+              </a:spcBef>
+              <a:spcAft>
+                <a:spcPts val="0"/>
+              </a:spcAft>
+              <a:buClrTx/>
+              <a:buSzTx/>
+              <a:buFont typeface="Arial" charset="0"/>
+              <a:buChar char="•"/>
+              <a:tabLst/>
+              <a:defRPr/>
+            </a:pPr>
+            <a:endParaRPr lang="en-NZ" dirty="0" smtClean="0"/>
+          </a:p>
+          <a:p>
+            <a:pPr marL="171450" marR="0" indent="-171450" algn="l" defTabSz="914400" rtl="0" eaLnBrk="1" fontAlgn="auto" latinLnBrk="0" hangingPunct="1">
+              <a:lnSpc>
+                <a:spcPct val="100000"/>
+              </a:lnSpc>
+              <a:spcBef>
+                <a:spcPts val="0"/>
+              </a:spcBef>
+              <a:spcAft>
+                <a:spcPts val="0"/>
+              </a:spcAft>
+              <a:buClrTx/>
+              <a:buSzTx/>
+              <a:buFont typeface="Arial" charset="0"/>
+              <a:buChar char="•"/>
+              <a:tabLst/>
+              <a:defRPr/>
+            </a:pPr>
+            <a:r>
+              <a:rPr lang="en-NZ" dirty="0" smtClean="0"/>
+              <a:t>All</a:t>
+            </a:r>
+            <a:r>
+              <a:rPr lang="en-NZ" baseline="0" dirty="0" smtClean="0"/>
+              <a:t> # statements are compiler directives</a:t>
+            </a:r>
+          </a:p>
+          <a:p>
+            <a:pPr marL="171450" marR="0" indent="-171450" algn="l" defTabSz="914400" rtl="0" eaLnBrk="1" fontAlgn="auto" latinLnBrk="0" hangingPunct="1">
+              <a:lnSpc>
+                <a:spcPct val="100000"/>
+              </a:lnSpc>
+              <a:spcBef>
+                <a:spcPts val="0"/>
+              </a:spcBef>
+              <a:spcAft>
+                <a:spcPts val="0"/>
+              </a:spcAft>
+              <a:buClrTx/>
+              <a:buSzTx/>
+              <a:buFont typeface="Arial" charset="0"/>
+              <a:buChar char="•"/>
+              <a:tabLst/>
+              <a:defRPr/>
+            </a:pPr>
+            <a:endParaRPr lang="en-NZ" baseline="0" dirty="0" smtClean="0"/>
+          </a:p>
+          <a:p>
+            <a:pPr marL="171450" marR="0" indent="-171450" algn="l" defTabSz="914400" rtl="0" eaLnBrk="1" fontAlgn="auto" latinLnBrk="0" hangingPunct="1">
+              <a:lnSpc>
+                <a:spcPct val="100000"/>
+              </a:lnSpc>
+              <a:spcBef>
+                <a:spcPts val="0"/>
+              </a:spcBef>
+              <a:spcAft>
+                <a:spcPts val="0"/>
+              </a:spcAft>
+              <a:buClrTx/>
+              <a:buSzTx/>
+              <a:buFont typeface="Arial" charset="0"/>
+              <a:buChar char="•"/>
+              <a:tabLst/>
+              <a:defRPr/>
+            </a:pPr>
+            <a:r>
+              <a:rPr lang="en-NZ" baseline="0" dirty="0" smtClean="0"/>
+              <a:t>#include says go get this file and paste it in here before you compile me</a:t>
+            </a:r>
+          </a:p>
+          <a:p>
+            <a:pPr marL="171450" marR="0" indent="-171450" algn="l" defTabSz="914400" rtl="0" eaLnBrk="1" fontAlgn="auto" latinLnBrk="0" hangingPunct="1">
+              <a:lnSpc>
+                <a:spcPct val="100000"/>
+              </a:lnSpc>
+              <a:spcBef>
+                <a:spcPts val="0"/>
+              </a:spcBef>
+              <a:spcAft>
+                <a:spcPts val="0"/>
+              </a:spcAft>
+              <a:buClrTx/>
+              <a:buSzTx/>
+              <a:buFont typeface="Arial" charset="0"/>
+              <a:buChar char="•"/>
+              <a:tabLst/>
+              <a:defRPr/>
+            </a:pPr>
+            <a:endParaRPr lang="en-NZ" baseline="0" dirty="0" smtClean="0"/>
+          </a:p>
+          <a:p>
+            <a:pPr marL="171450" marR="0" indent="-171450" algn="l" defTabSz="914400" rtl="0" eaLnBrk="1" fontAlgn="auto" latinLnBrk="0" hangingPunct="1">
+              <a:lnSpc>
+                <a:spcPct val="100000"/>
+              </a:lnSpc>
+              <a:spcBef>
+                <a:spcPts val="0"/>
+              </a:spcBef>
+              <a:spcAft>
+                <a:spcPts val="0"/>
+              </a:spcAft>
+              <a:buClrTx/>
+              <a:buSzTx/>
+              <a:buFont typeface="Arial" charset="0"/>
+              <a:buChar char="•"/>
+              <a:tabLst/>
+              <a:defRPr/>
+            </a:pPr>
+            <a:r>
+              <a:rPr lang="en-NZ" baseline="0" dirty="0" smtClean="0"/>
+              <a:t>The .h and .cpp structure is a direct map to the OO distinction between the interface and implementation</a:t>
+            </a:r>
+          </a:p>
+          <a:p>
+            <a:pPr marL="171450" marR="0" indent="-171450" algn="l" defTabSz="914400" rtl="0" eaLnBrk="1" fontAlgn="auto" latinLnBrk="0" hangingPunct="1">
+              <a:lnSpc>
+                <a:spcPct val="100000"/>
+              </a:lnSpc>
+              <a:spcBef>
+                <a:spcPts val="0"/>
+              </a:spcBef>
+              <a:spcAft>
+                <a:spcPts val="0"/>
+              </a:spcAft>
+              <a:buClrTx/>
+              <a:buSzTx/>
+              <a:buFont typeface="Arial" charset="0"/>
+              <a:buChar char="•"/>
+              <a:tabLst/>
+              <a:defRPr/>
+            </a:pPr>
+            <a:endParaRPr lang="en-NZ" baseline="0" dirty="0" smtClean="0"/>
+          </a:p>
+          <a:p>
+            <a:pPr marL="171450" marR="0" indent="-171450" algn="l" defTabSz="914400" rtl="0" eaLnBrk="1" fontAlgn="auto" latinLnBrk="0" hangingPunct="1">
+              <a:lnSpc>
+                <a:spcPct val="100000"/>
+              </a:lnSpc>
+              <a:spcBef>
+                <a:spcPts val="0"/>
+              </a:spcBef>
+              <a:spcAft>
+                <a:spcPts val="0"/>
+              </a:spcAft>
+              <a:buClrTx/>
+              <a:buSzTx/>
+              <a:buFont typeface="Arial" charset="0"/>
+              <a:buChar char="•"/>
+              <a:tabLst/>
+              <a:defRPr/>
+            </a:pPr>
+            <a:r>
+              <a:rPr lang="en-NZ" baseline="0" dirty="0" smtClean="0"/>
+              <a:t>You may have heard of information hiding. </a:t>
+            </a:r>
+            <a:r>
+              <a:rPr lang="en-NZ" b="0" i="0" baseline="0" dirty="0" smtClean="0"/>
+              <a:t>The .h tells you everything you need to know to use the class; implementation details are hidden in the .cpp</a:t>
+            </a:r>
+            <a:endParaRPr lang="en-NZ" dirty="0" smtClean="0"/>
+          </a:p>
+          <a:p>
+            <a:pPr marL="171450" indent="-171450">
+              <a:buFont typeface="Arial" charset="0"/>
+              <a:buChar char="•"/>
+            </a:pPr>
+            <a:endParaRPr lang="en-US" dirty="0" smtClean="0"/>
+          </a:p>
+          <a:p>
+            <a:pPr marL="171450" indent="-171450">
+              <a:buFont typeface="Arial" charset="0"/>
+              <a:buChar char="•"/>
+            </a:pPr>
+            <a:r>
+              <a:rPr lang="en-NZ" b="0" i="0" baseline="0" dirty="0" smtClean="0"/>
+              <a:t>This is one of the reasons C++ is a more </a:t>
+            </a:r>
+            <a:r>
+              <a:rPr lang="en-NZ" b="1" i="1" baseline="0" dirty="0" smtClean="0"/>
+              <a:t>pure</a:t>
+            </a:r>
+            <a:r>
+              <a:rPr lang="en-NZ" b="0" i="0" baseline="0" dirty="0" smtClean="0"/>
+              <a:t> OO language than C#</a:t>
+            </a:r>
+            <a:endParaRPr lang="en-US" dirty="0"/>
+          </a:p>
+        </p:txBody>
+      </p:sp>
+      <p:sp>
+        <p:nvSpPr>
+          <p:cNvPr id="4" name="Slide Number Placeholder 3"/>
+          <p:cNvSpPr>
+            <a:spLocks noGrp="1"/>
+          </p:cNvSpPr>
+          <p:nvPr>
+            <p:ph type="sldNum" sz="quarter" idx="10"/>
+          </p:nvPr>
+        </p:nvSpPr>
+        <p:spPr/>
+        <p:txBody>
+          <a:bodyPr/>
+          <a:lstStyle/>
+          <a:p>
+            <a:fld id="{5FA57C19-9E0E-4142-AAC1-12A23B691F36}" type="slidenum">
+              <a:rPr lang="en-US" smtClean="0"/>
+              <a:t>10</a:t>
+            </a:fld>
+            <a:endParaRPr lang="en-US"/>
+          </a:p>
+        </p:txBody>
+      </p:sp>
+    </p:spTree>
+    <p:extLst>
+      <p:ext uri="{BB962C8B-B14F-4D97-AF65-F5344CB8AC3E}">
+        <p14:creationId xmlns:p14="http://schemas.microsoft.com/office/powerpoint/2010/main" val="1494703008"/>
+      </p:ext>
+    </p:extLst>
+  </p:cSld>
+  <p:clrMapOvr>
+    <a:masterClrMapping/>
+  </p:clrMapOvr>
+</p:notes>
+</file>
+
 <file path=ppt/slideLayouts/slideLayout1.xml><?xml version="1.0" encoding="utf-8"?>
 <p:sldLayout xmlns:a="http://schemas.openxmlformats.org/drawingml/2006/main" xmlns:r="http://schemas.openxmlformats.org/officeDocument/2006/relationships" xmlns:p="http://schemas.openxmlformats.org/presentationml/2006/main" type="title" preserve="1">
   <p:cSld name="Title Slide">
@@ -676,7 +2618,7 @@
           <a:p>
             <a:fld id="{F8166F1F-CE9B-4651-A6AA-CD717754106B}" type="datetimeFigureOut">
               <a:rPr lang="en-US" smtClean="0"/>
-              <a:t>7/26/19</a:t>
+              <a:t>7/31/19</a:t>
             </a:fld>
             <a:endParaRPr lang="en-US"/>
           </a:p>
@@ -841,7 +2783,7 @@
           <a:p>
             <a:fld id="{A76116CE-C4A3-4A05-B2D7-7C2E9A889C0F}" type="datetimeFigureOut">
               <a:rPr lang="en-US" smtClean="0"/>
-              <a:t>7/26/19</a:t>
+              <a:t>7/31/19</a:t>
             </a:fld>
             <a:endParaRPr lang="en-US"/>
           </a:p>
@@ -1016,7 +2958,7 @@
           <a:p>
             <a:fld id="{A76116CE-C4A3-4A05-B2D7-7C2E9A889C0F}" type="datetimeFigureOut">
               <a:rPr lang="en-US" smtClean="0"/>
-              <a:t>7/26/19</a:t>
+              <a:t>7/31/19</a:t>
             </a:fld>
             <a:endParaRPr lang="en-US"/>
           </a:p>
@@ -1183,7 +3125,7 @@
           <a:p>
             <a:fld id="{A76116CE-C4A3-4A05-B2D7-7C2E9A889C0F}" type="datetimeFigureOut">
               <a:rPr lang="en-US" smtClean="0"/>
-              <a:t>7/26/19</a:t>
+              <a:t>7/31/19</a:t>
             </a:fld>
             <a:endParaRPr lang="en-US"/>
           </a:p>
@@ -1424,7 +3366,7 @@
           <a:p>
             <a:fld id="{A76116CE-C4A3-4A05-B2D7-7C2E9A889C0F}" type="datetimeFigureOut">
               <a:rPr lang="en-US" smtClean="0"/>
-              <a:t>7/26/19</a:t>
+              <a:t>7/31/19</a:t>
             </a:fld>
             <a:endParaRPr lang="en-US"/>
           </a:p>
@@ -1707,7 +3649,7 @@
           <a:p>
             <a:fld id="{A76116CE-C4A3-4A05-B2D7-7C2E9A889C0F}" type="datetimeFigureOut">
               <a:rPr lang="en-US" smtClean="0"/>
-              <a:t>7/26/19</a:t>
+              <a:t>7/31/19</a:t>
             </a:fld>
             <a:endParaRPr lang="en-US"/>
           </a:p>
@@ -2124,7 +4066,7 @@
           <a:p>
             <a:fld id="{A76116CE-C4A3-4A05-B2D7-7C2E9A889C0F}" type="datetimeFigureOut">
               <a:rPr lang="en-US" smtClean="0"/>
-              <a:t>7/26/19</a:t>
+              <a:t>7/31/19</a:t>
             </a:fld>
             <a:endParaRPr lang="en-US"/>
           </a:p>
@@ -2237,7 +4179,7 @@
           <a:p>
             <a:fld id="{A76116CE-C4A3-4A05-B2D7-7C2E9A889C0F}" type="datetimeFigureOut">
               <a:rPr lang="en-US" smtClean="0"/>
-              <a:t>7/26/19</a:t>
+              <a:t>7/31/19</a:t>
             </a:fld>
             <a:endParaRPr lang="en-US"/>
           </a:p>
@@ -2327,7 +4269,7 @@
           <a:p>
             <a:fld id="{A76116CE-C4A3-4A05-B2D7-7C2E9A889C0F}" type="datetimeFigureOut">
               <a:rPr lang="en-US" smtClean="0"/>
-              <a:t>7/26/19</a:t>
+              <a:t>7/31/19</a:t>
             </a:fld>
             <a:endParaRPr lang="en-US"/>
           </a:p>
@@ -2599,7 +4541,7 @@
           <a:p>
             <a:fld id="{A76116CE-C4A3-4A05-B2D7-7C2E9A889C0F}" type="datetimeFigureOut">
               <a:rPr lang="en-US" smtClean="0"/>
-              <a:t>7/26/19</a:t>
+              <a:t>7/31/19</a:t>
             </a:fld>
             <a:endParaRPr lang="en-US"/>
           </a:p>
@@ -2847,7 +4789,7 @@
           <a:p>
             <a:fld id="{A76116CE-C4A3-4A05-B2D7-7C2E9A889C0F}" type="datetimeFigureOut">
               <a:rPr lang="en-US" smtClean="0"/>
-              <a:t>7/26/19</a:t>
+              <a:t>7/31/19</a:t>
             </a:fld>
             <a:endParaRPr lang="en-US"/>
           </a:p>
@@ -3055,7 +4997,7 @@
           <a:p>
             <a:fld id="{F8166F1F-CE9B-4651-A6AA-CD717754106B}" type="datetimeFigureOut">
               <a:rPr lang="en-US" smtClean="0"/>
-              <a:t>7/26/19</a:t>
+              <a:t>7/31/19</a:t>
             </a:fld>
             <a:endParaRPr lang="en-US"/>
           </a:p>
@@ -3597,7 +5539,7 @@
           <p:nvPr/>
         </p:nvPicPr>
         <p:blipFill>
-          <a:blip r:embed="rId2">
+          <a:blip r:embed="rId3">
             <a:extLst>
               <a:ext uri="{28A0092B-C50C-407E-A947-70E740481C1C}">
                 <a14:useLocalDpi xmlns:a14="http://schemas.microsoft.com/office/drawing/2010/main" val="0"/>
@@ -3710,7 +5652,7 @@
           <p:nvPr/>
         </p:nvPicPr>
         <p:blipFill>
-          <a:blip r:embed="rId2">
+          <a:blip r:embed="rId3">
             <a:extLst>
               <a:ext uri="{28A0092B-C50C-407E-A947-70E740481C1C}">
                 <a14:useLocalDpi xmlns:a14="http://schemas.microsoft.com/office/drawing/2010/main" val="0"/>
@@ -3823,7 +5765,7 @@
           <p:nvPr/>
         </p:nvPicPr>
         <p:blipFill>
-          <a:blip r:embed="rId2">
+          <a:blip r:embed="rId3">
             <a:extLst>
               <a:ext uri="{28A0092B-C50C-407E-A947-70E740481C1C}">
                 <a14:useLocalDpi xmlns:a14="http://schemas.microsoft.com/office/drawing/2010/main" val="0"/>
@@ -3838,6 +5780,36 @@
           <a:xfrm>
             <a:off x="723900" y="2192246"/>
             <a:ext cx="7696200" cy="1039685"/>
+          </a:xfrm>
+          <a:prstGeom prst="rect">
+            <a:avLst/>
+          </a:prstGeom>
+        </p:spPr>
+      </p:pic>
+      <p:pic>
+        <p:nvPicPr>
+          <p:cNvPr id="2" name="Picture 1"/>
+          <p:cNvPicPr>
+            <a:picLocks noChangeAspect="1"/>
+          </p:cNvPicPr>
+          <p:nvPr/>
+        </p:nvPicPr>
+        <p:blipFill>
+          <a:blip r:embed="rId4">
+            <a:extLst>
+              <a:ext uri="{28A0092B-C50C-407E-A947-70E740481C1C}">
+                <a14:useLocalDpi xmlns:a14="http://schemas.microsoft.com/office/drawing/2010/main" val="0"/>
+              </a:ext>
+            </a:extLst>
+          </a:blip>
+          <a:stretch>
+            <a:fillRect/>
+          </a:stretch>
+        </p:blipFill>
+        <p:spPr>
+          <a:xfrm>
+            <a:off x="748436" y="3581400"/>
+            <a:ext cx="7647127" cy="1575886"/>
           </a:xfrm>
           <a:prstGeom prst="rect">
             <a:avLst/>
@@ -4060,7 +6032,6 @@
               <a:rPr lang="en-US" sz="2500" dirty="0" smtClean="0"/>
               <a:t>	write set and get methods</a:t>
             </a:r>
-            <a:endParaRPr lang="en-US" sz="2500" dirty="0" smtClean="0"/>
           </a:p>
         </p:txBody>
       </p:sp>
@@ -4186,7 +6157,7 @@
           <p:nvPr/>
         </p:nvPicPr>
         <p:blipFill>
-          <a:blip r:embed="rId2">
+          <a:blip r:embed="rId3">
             <a:extLst>
               <a:ext uri="{28A0092B-C50C-407E-A947-70E740481C1C}">
                 <a14:useLocalDpi xmlns:a14="http://schemas.microsoft.com/office/drawing/2010/main" val="0"/>
@@ -5077,6 +7048,10 @@
               <a:buFont typeface="Arial" panose="020B0604020202020204" pitchFamily="34" charset="0"/>
               <a:buChar char="•"/>
             </a:pPr>
+            <a:r>
+              <a:rPr lang="en-US" sz="2500" dirty="0" smtClean="0"/>
+              <a:t>Code implementation is done in the .cpp</a:t>
+            </a:r>
             <a:endParaRPr lang="en-US" sz="2500" dirty="0" smtClean="0"/>
           </a:p>
         </p:txBody>
@@ -5173,7 +7148,7 @@
           <p:nvPr/>
         </p:nvPicPr>
         <p:blipFill>
-          <a:blip r:embed="rId2">
+          <a:blip r:embed="rId3">
             <a:extLst>
               <a:ext uri="{28A0092B-C50C-407E-A947-70E740481C1C}">
                 <a14:useLocalDpi xmlns:a14="http://schemas.microsoft.com/office/drawing/2010/main" val="0"/>
@@ -5302,7 +7277,7 @@
           <p:nvPr/>
         </p:nvPicPr>
         <p:blipFill>
-          <a:blip r:embed="rId2">
+          <a:blip r:embed="rId3">
             <a:extLst>
               <a:ext uri="{28A0092B-C50C-407E-A947-70E740481C1C}">
                 <a14:useLocalDpi xmlns:a14="http://schemas.microsoft.com/office/drawing/2010/main" val="0"/>
@@ -5423,7 +7398,7 @@
           <p:nvPr/>
         </p:nvPicPr>
         <p:blipFill>
-          <a:blip r:embed="rId2">
+          <a:blip r:embed="rId3">
             <a:extLst>
               <a:ext uri="{28A0092B-C50C-407E-A947-70E740481C1C}">
                 <a14:useLocalDpi xmlns:a14="http://schemas.microsoft.com/office/drawing/2010/main" val="0"/>
@@ -5544,7 +7519,7 @@
           <p:nvPr/>
         </p:nvPicPr>
         <p:blipFill>
-          <a:blip r:embed="rId2">
+          <a:blip r:embed="rId3">
             <a:extLst>
               <a:ext uri="{28A0092B-C50C-407E-A947-70E740481C1C}">
                 <a14:useLocalDpi xmlns:a14="http://schemas.microsoft.com/office/drawing/2010/main" val="0"/>
@@ -5665,7 +7640,7 @@
           <p:nvPr/>
         </p:nvPicPr>
         <p:blipFill>
-          <a:blip r:embed="rId2">
+          <a:blip r:embed="rId3">
             <a:extLst>
               <a:ext uri="{28A0092B-C50C-407E-A947-70E740481C1C}">
                 <a14:useLocalDpi xmlns:a14="http://schemas.microsoft.com/office/drawing/2010/main" val="0"/>
@@ -5790,7 +7765,7 @@
           <p:nvPr/>
         </p:nvPicPr>
         <p:blipFill>
-          <a:blip r:embed="rId2">
+          <a:blip r:embed="rId3">
             <a:extLst>
               <a:ext uri="{28A0092B-C50C-407E-A947-70E740481C1C}">
                 <a14:useLocalDpi xmlns:a14="http://schemas.microsoft.com/office/drawing/2010/main" val="0"/>
